--- a/asset/システム設計.pptx
+++ b/asset/システム設計.pptx
@@ -3979,6 +3979,58 @@
           <a:chExt cx="0" cy="0"/>
         </a:xfrm>
       </p:grpSpPr>
+      <p:sp>
+        <p:nvSpPr>
+          <p:cNvPr id="3" name="正方形/長方形 2">
+            <a:extLst>
+              <a:ext uri="{FF2B5EF4-FFF2-40B4-BE49-F238E27FC236}">
+                <a16:creationId xmlns:a16="http://schemas.microsoft.com/office/drawing/2014/main" id="{D90C509C-BDFB-5CBA-6745-BE4447AD749C}"/>
+              </a:ext>
+            </a:extLst>
+          </p:cNvPr>
+          <p:cNvSpPr/>
+          <p:nvPr/>
+        </p:nvSpPr>
+        <p:spPr>
+          <a:xfrm>
+            <a:off x="-1" y="0"/>
+            <a:ext cx="12192001" cy="6858000"/>
+          </a:xfrm>
+          <a:prstGeom prst="rect">
+            <a:avLst/>
+          </a:prstGeom>
+          <a:solidFill>
+            <a:schemeClr val="bg1"/>
+          </a:solidFill>
+          <a:ln>
+            <a:noFill/>
+          </a:ln>
+        </p:spPr>
+        <p:style>
+          <a:lnRef idx="2">
+            <a:schemeClr val="accent1">
+              <a:shade val="15000"/>
+            </a:schemeClr>
+          </a:lnRef>
+          <a:fillRef idx="1">
+            <a:schemeClr val="accent1"/>
+          </a:fillRef>
+          <a:effectRef idx="0">
+            <a:schemeClr val="accent1"/>
+          </a:effectRef>
+          <a:fontRef idx="minor">
+            <a:schemeClr val="lt1"/>
+          </a:fontRef>
+        </p:style>
+        <p:txBody>
+          <a:bodyPr rtlCol="0" anchor="ctr"/>
+          <a:lstStyle/>
+          <a:p>
+            <a:pPr algn="ctr"/>
+            <a:endParaRPr kumimoji="1" lang="ja-JP" altLang="en-US" dirty="0"/>
+          </a:p>
+        </p:txBody>
+      </p:sp>
       <p:grpSp>
         <p:nvGrpSpPr>
           <p:cNvPr id="1024" name="グループ化 1023">
@@ -3993,7 +4045,7 @@
         </p:nvGrpSpPr>
         <p:grpSpPr>
           <a:xfrm>
-            <a:off x="4467024" y="0"/>
+            <a:off x="4467024" y="254441"/>
             <a:ext cx="6732864" cy="6155875"/>
             <a:chOff x="3761346" y="129230"/>
             <a:chExt cx="6732864" cy="6155875"/>
@@ -5684,6 +5736,58 @@
       </p:grpSpPr>
       <p:sp>
         <p:nvSpPr>
+          <p:cNvPr id="2" name="正方形/長方形 1">
+            <a:extLst>
+              <a:ext uri="{FF2B5EF4-FFF2-40B4-BE49-F238E27FC236}">
+                <a16:creationId xmlns:a16="http://schemas.microsoft.com/office/drawing/2014/main" id="{C52B5F74-FD32-A28F-E454-7DD76FED8091}"/>
+              </a:ext>
+            </a:extLst>
+          </p:cNvPr>
+          <p:cNvSpPr/>
+          <p:nvPr/>
+        </p:nvSpPr>
+        <p:spPr>
+          <a:xfrm>
+            <a:off x="-1" y="0"/>
+            <a:ext cx="12192001" cy="6858000"/>
+          </a:xfrm>
+          <a:prstGeom prst="rect">
+            <a:avLst/>
+          </a:prstGeom>
+          <a:solidFill>
+            <a:schemeClr val="bg1"/>
+          </a:solidFill>
+          <a:ln>
+            <a:noFill/>
+          </a:ln>
+        </p:spPr>
+        <p:style>
+          <a:lnRef idx="2">
+            <a:schemeClr val="accent1">
+              <a:shade val="15000"/>
+            </a:schemeClr>
+          </a:lnRef>
+          <a:fillRef idx="1">
+            <a:schemeClr val="accent1"/>
+          </a:fillRef>
+          <a:effectRef idx="0">
+            <a:schemeClr val="accent1"/>
+          </a:effectRef>
+          <a:fontRef idx="minor">
+            <a:schemeClr val="lt1"/>
+          </a:fontRef>
+        </p:style>
+        <p:txBody>
+          <a:bodyPr rtlCol="0" anchor="ctr"/>
+          <a:lstStyle/>
+          <a:p>
+            <a:pPr algn="ctr"/>
+            <a:endParaRPr kumimoji="1" lang="ja-JP" altLang="en-US" dirty="0"/>
+          </a:p>
+        </p:txBody>
+      </p:sp>
+      <p:sp>
+        <p:nvSpPr>
           <p:cNvPr id="7" name="テキスト ボックス 6">
             <a:extLst>
               <a:ext uri="{FF2B5EF4-FFF2-40B4-BE49-F238E27FC236}">
@@ -6175,6 +6279,58 @@
           <a:chExt cx="0" cy="0"/>
         </a:xfrm>
       </p:grpSpPr>
+      <p:sp>
+        <p:nvSpPr>
+          <p:cNvPr id="24" name="正方形/長方形 23">
+            <a:extLst>
+              <a:ext uri="{FF2B5EF4-FFF2-40B4-BE49-F238E27FC236}">
+                <a16:creationId xmlns:a16="http://schemas.microsoft.com/office/drawing/2014/main" id="{F5E6FBB8-F9FA-178B-BDDF-21BFB6CCA572}"/>
+              </a:ext>
+            </a:extLst>
+          </p:cNvPr>
+          <p:cNvSpPr/>
+          <p:nvPr/>
+        </p:nvSpPr>
+        <p:spPr>
+          <a:xfrm>
+            <a:off x="-1" y="0"/>
+            <a:ext cx="12192001" cy="6858000"/>
+          </a:xfrm>
+          <a:prstGeom prst="rect">
+            <a:avLst/>
+          </a:prstGeom>
+          <a:solidFill>
+            <a:schemeClr val="bg1"/>
+          </a:solidFill>
+          <a:ln>
+            <a:noFill/>
+          </a:ln>
+        </p:spPr>
+        <p:style>
+          <a:lnRef idx="2">
+            <a:schemeClr val="accent1">
+              <a:shade val="15000"/>
+            </a:schemeClr>
+          </a:lnRef>
+          <a:fillRef idx="1">
+            <a:schemeClr val="accent1"/>
+          </a:fillRef>
+          <a:effectRef idx="0">
+            <a:schemeClr val="accent1"/>
+          </a:effectRef>
+          <a:fontRef idx="minor">
+            <a:schemeClr val="lt1"/>
+          </a:fontRef>
+        </p:style>
+        <p:txBody>
+          <a:bodyPr rtlCol="0" anchor="ctr"/>
+          <a:lstStyle/>
+          <a:p>
+            <a:pPr algn="ctr"/>
+            <a:endParaRPr kumimoji="1" lang="ja-JP" altLang="en-US" dirty="0"/>
+          </a:p>
+        </p:txBody>
+      </p:sp>
       <p:grpSp>
         <p:nvGrpSpPr>
           <p:cNvPr id="5" name="グループ化 4">
@@ -7077,6 +7233,58 @@
           <a:chExt cx="0" cy="0"/>
         </a:xfrm>
       </p:grpSpPr>
+      <p:sp>
+        <p:nvSpPr>
+          <p:cNvPr id="1031" name="正方形/長方形 1030">
+            <a:extLst>
+              <a:ext uri="{FF2B5EF4-FFF2-40B4-BE49-F238E27FC236}">
+                <a16:creationId xmlns:a16="http://schemas.microsoft.com/office/drawing/2014/main" id="{BE04A690-02B6-FF40-517C-6AEADA1D1F4A}"/>
+              </a:ext>
+            </a:extLst>
+          </p:cNvPr>
+          <p:cNvSpPr/>
+          <p:nvPr/>
+        </p:nvSpPr>
+        <p:spPr>
+          <a:xfrm>
+            <a:off x="-1" y="0"/>
+            <a:ext cx="12192001" cy="6858000"/>
+          </a:xfrm>
+          <a:prstGeom prst="rect">
+            <a:avLst/>
+          </a:prstGeom>
+          <a:solidFill>
+            <a:schemeClr val="bg1"/>
+          </a:solidFill>
+          <a:ln>
+            <a:noFill/>
+          </a:ln>
+        </p:spPr>
+        <p:style>
+          <a:lnRef idx="2">
+            <a:schemeClr val="accent1">
+              <a:shade val="15000"/>
+            </a:schemeClr>
+          </a:lnRef>
+          <a:fillRef idx="1">
+            <a:schemeClr val="accent1"/>
+          </a:fillRef>
+          <a:effectRef idx="0">
+            <a:schemeClr val="accent1"/>
+          </a:effectRef>
+          <a:fontRef idx="minor">
+            <a:schemeClr val="lt1"/>
+          </a:fontRef>
+        </p:style>
+        <p:txBody>
+          <a:bodyPr rtlCol="0" anchor="ctr"/>
+          <a:lstStyle/>
+          <a:p>
+            <a:pPr algn="ctr"/>
+            <a:endParaRPr kumimoji="1" lang="ja-JP" altLang="en-US" dirty="0"/>
+          </a:p>
+        </p:txBody>
+      </p:sp>
       <p:grpSp>
         <p:nvGrpSpPr>
           <p:cNvPr id="5" name="グループ化 4">

--- a/asset/システム設計.pptx
+++ b/asset/システム設計.pptx
@@ -16,6 +16,8 @@
     <p:sldId id="264" r:id="rId10"/>
     <p:sldId id="265" r:id="rId11"/>
     <p:sldId id="266" r:id="rId12"/>
+    <p:sldId id="267" r:id="rId13"/>
+    <p:sldId id="268" r:id="rId14"/>
   </p:sldIdLst>
   <p:sldSz cx="12192000" cy="6858000"/>
   <p:notesSz cx="6858000" cy="9144000"/>
@@ -269,7 +271,7 @@
           <a:p>
             <a:fld id="{53F372D5-FFF6-4F66-954E-E642C5DA8D8C}" type="datetimeFigureOut">
               <a:rPr kumimoji="1" lang="ja-JP" altLang="en-US" smtClean="0"/>
-              <a:t>2025/6/3</a:t>
+              <a:t>2025/6/13</a:t>
             </a:fld>
             <a:endParaRPr kumimoji="1" lang="ja-JP" altLang="en-US"/>
           </a:p>
@@ -499,7 +501,7 @@
           <a:p>
             <a:fld id="{53F372D5-FFF6-4F66-954E-E642C5DA8D8C}" type="datetimeFigureOut">
               <a:rPr kumimoji="1" lang="ja-JP" altLang="en-US" smtClean="0"/>
-              <a:t>2025/6/3</a:t>
+              <a:t>2025/6/13</a:t>
             </a:fld>
             <a:endParaRPr kumimoji="1" lang="ja-JP" altLang="en-US"/>
           </a:p>
@@ -739,7 +741,7 @@
           <a:p>
             <a:fld id="{53F372D5-FFF6-4F66-954E-E642C5DA8D8C}" type="datetimeFigureOut">
               <a:rPr kumimoji="1" lang="ja-JP" altLang="en-US" smtClean="0"/>
-              <a:t>2025/6/3</a:t>
+              <a:t>2025/6/13</a:t>
             </a:fld>
             <a:endParaRPr kumimoji="1" lang="ja-JP" altLang="en-US"/>
           </a:p>
@@ -969,7 +971,7 @@
           <a:p>
             <a:fld id="{53F372D5-FFF6-4F66-954E-E642C5DA8D8C}" type="datetimeFigureOut">
               <a:rPr kumimoji="1" lang="ja-JP" altLang="en-US" smtClean="0"/>
-              <a:t>2025/6/3</a:t>
+              <a:t>2025/6/13</a:t>
             </a:fld>
             <a:endParaRPr kumimoji="1" lang="ja-JP" altLang="en-US"/>
           </a:p>
@@ -1244,7 +1246,7 @@
           <a:p>
             <a:fld id="{53F372D5-FFF6-4F66-954E-E642C5DA8D8C}" type="datetimeFigureOut">
               <a:rPr kumimoji="1" lang="ja-JP" altLang="en-US" smtClean="0"/>
-              <a:t>2025/6/3</a:t>
+              <a:t>2025/6/13</a:t>
             </a:fld>
             <a:endParaRPr kumimoji="1" lang="ja-JP" altLang="en-US"/>
           </a:p>
@@ -1573,7 +1575,7 @@
           <a:p>
             <a:fld id="{53F372D5-FFF6-4F66-954E-E642C5DA8D8C}" type="datetimeFigureOut">
               <a:rPr kumimoji="1" lang="ja-JP" altLang="en-US" smtClean="0"/>
-              <a:t>2025/6/3</a:t>
+              <a:t>2025/6/13</a:t>
             </a:fld>
             <a:endParaRPr kumimoji="1" lang="ja-JP" altLang="en-US"/>
           </a:p>
@@ -2049,7 +2051,7 @@
           <a:p>
             <a:fld id="{53F372D5-FFF6-4F66-954E-E642C5DA8D8C}" type="datetimeFigureOut">
               <a:rPr kumimoji="1" lang="ja-JP" altLang="en-US" smtClean="0"/>
-              <a:t>2025/6/3</a:t>
+              <a:t>2025/6/13</a:t>
             </a:fld>
             <a:endParaRPr kumimoji="1" lang="ja-JP" altLang="en-US"/>
           </a:p>
@@ -2190,7 +2192,7 @@
           <a:p>
             <a:fld id="{53F372D5-FFF6-4F66-954E-E642C5DA8D8C}" type="datetimeFigureOut">
               <a:rPr kumimoji="1" lang="ja-JP" altLang="en-US" smtClean="0"/>
-              <a:t>2025/6/3</a:t>
+              <a:t>2025/6/13</a:t>
             </a:fld>
             <a:endParaRPr kumimoji="1" lang="ja-JP" altLang="en-US"/>
           </a:p>
@@ -2303,7 +2305,7 @@
           <a:p>
             <a:fld id="{53F372D5-FFF6-4F66-954E-E642C5DA8D8C}" type="datetimeFigureOut">
               <a:rPr kumimoji="1" lang="ja-JP" altLang="en-US" smtClean="0"/>
-              <a:t>2025/6/3</a:t>
+              <a:t>2025/6/13</a:t>
             </a:fld>
             <a:endParaRPr kumimoji="1" lang="ja-JP" altLang="en-US"/>
           </a:p>
@@ -2646,7 +2648,7 @@
           <a:p>
             <a:fld id="{53F372D5-FFF6-4F66-954E-E642C5DA8D8C}" type="datetimeFigureOut">
               <a:rPr kumimoji="1" lang="ja-JP" altLang="en-US" smtClean="0"/>
-              <a:t>2025/6/3</a:t>
+              <a:t>2025/6/13</a:t>
             </a:fld>
             <a:endParaRPr kumimoji="1" lang="ja-JP" altLang="en-US"/>
           </a:p>
@@ -2934,7 +2936,7 @@
           <a:p>
             <a:fld id="{53F372D5-FFF6-4F66-954E-E642C5DA8D8C}" type="datetimeFigureOut">
               <a:rPr kumimoji="1" lang="ja-JP" altLang="en-US" smtClean="0"/>
-              <a:t>2025/6/3</a:t>
+              <a:t>2025/6/13</a:t>
             </a:fld>
             <a:endParaRPr kumimoji="1" lang="ja-JP" altLang="en-US"/>
           </a:p>
@@ -3207,7 +3209,7 @@
           <a:p>
             <a:fld id="{53F372D5-FFF6-4F66-954E-E642C5DA8D8C}" type="datetimeFigureOut">
               <a:rPr kumimoji="1" lang="ja-JP" altLang="en-US" smtClean="0"/>
-              <a:t>2025/6/3</a:t>
+              <a:t>2025/6/13</a:t>
             </a:fld>
             <a:endParaRPr kumimoji="1" lang="ja-JP" altLang="en-US"/>
           </a:p>
@@ -4031,12 +4033,715 @@
           </a:p>
         </p:txBody>
       </p:sp>
+      <p:sp>
+        <p:nvSpPr>
+          <p:cNvPr id="7" name="テキスト ボックス 6">
+            <a:extLst>
+              <a:ext uri="{FF2B5EF4-FFF2-40B4-BE49-F238E27FC236}">
+                <a16:creationId xmlns:a16="http://schemas.microsoft.com/office/drawing/2014/main" id="{57C7D3DC-FDA6-9E35-9C81-88BC766B6B43}"/>
+              </a:ext>
+            </a:extLst>
+          </p:cNvPr>
+          <p:cNvSpPr txBox="1"/>
+          <p:nvPr/>
+        </p:nvSpPr>
+        <p:spPr>
+          <a:xfrm>
+            <a:off x="5107068" y="2263415"/>
+            <a:ext cx="1282723" cy="523220"/>
+          </a:xfrm>
+          <a:prstGeom prst="rect">
+            <a:avLst/>
+          </a:prstGeom>
+          <a:noFill/>
+        </p:spPr>
+        <p:txBody>
+          <a:bodyPr wrap="none" rtlCol="0">
+            <a:spAutoFit/>
+          </a:bodyPr>
+          <a:lstStyle/>
+          <a:p>
+            <a:pPr algn="ctr"/>
+            <a:r>
+              <a:rPr kumimoji="1" lang="en-US" altLang="ja-JP" sz="2800" b="1" dirty="0">
+                <a:latin typeface="Segoe UI" panose="020B0502040204020203" pitchFamily="34" charset="0"/>
+                <a:ea typeface="メイリオ" panose="020B0604030504040204" pitchFamily="50" charset="-128"/>
+                <a:cs typeface="Segoe UI" panose="020B0502040204020203" pitchFamily="34" charset="0"/>
+              </a:rPr>
+              <a:t>GitLab</a:t>
+            </a:r>
+            <a:endParaRPr kumimoji="1" lang="ja-JP" altLang="en-US" sz="2800" b="1" dirty="0">
+              <a:latin typeface="Segoe UI" panose="020B0502040204020203" pitchFamily="34" charset="0"/>
+              <a:ea typeface="メイリオ" panose="020B0604030504040204" pitchFamily="50" charset="-128"/>
+              <a:cs typeface="Segoe UI" panose="020B0502040204020203" pitchFamily="34" charset="0"/>
+            </a:endParaRPr>
+          </a:p>
+        </p:txBody>
+      </p:sp>
+      <p:pic>
+        <p:nvPicPr>
+          <p:cNvPr id="27" name="図 26">
+            <a:extLst>
+              <a:ext uri="{FF2B5EF4-FFF2-40B4-BE49-F238E27FC236}">
+                <a16:creationId xmlns:a16="http://schemas.microsoft.com/office/drawing/2014/main" id="{CE448E4B-B197-111A-06A3-F6D867A3F939}"/>
+              </a:ext>
+            </a:extLst>
+          </p:cNvPr>
+          <p:cNvPicPr>
+            <a:picLocks noChangeAspect="1"/>
+          </p:cNvPicPr>
+          <p:nvPr/>
+        </p:nvPicPr>
+        <p:blipFill>
+          <a:blip r:embed="rId2"/>
+          <a:stretch>
+            <a:fillRect/>
+          </a:stretch>
+        </p:blipFill>
+        <p:spPr>
+          <a:xfrm>
+            <a:off x="4810699" y="4264397"/>
+            <a:ext cx="1875462" cy="1884309"/>
+          </a:xfrm>
+          <a:prstGeom prst="rect">
+            <a:avLst/>
+          </a:prstGeom>
+        </p:spPr>
+      </p:pic>
+      <p:pic>
+        <p:nvPicPr>
+          <p:cNvPr id="1026" name="Picture 2">
+            <a:extLst>
+              <a:ext uri="{FF2B5EF4-FFF2-40B4-BE49-F238E27FC236}">
+                <a16:creationId xmlns:a16="http://schemas.microsoft.com/office/drawing/2014/main" id="{86E0E9B1-68F3-630E-4334-556D5EE3C27D}"/>
+              </a:ext>
+            </a:extLst>
+          </p:cNvPr>
+          <p:cNvPicPr>
+            <a:picLocks noChangeAspect="1" noChangeArrowheads="1"/>
+          </p:cNvPicPr>
+          <p:nvPr/>
+        </p:nvPicPr>
+        <p:blipFill>
+          <a:blip r:embed="rId3">
+            <a:extLst>
+              <a:ext uri="{28A0092B-C50C-407E-A947-70E740481C1C}">
+                <a14:useLocalDpi xmlns:a14="http://schemas.microsoft.com/office/drawing/2010/main" val="0"/>
+              </a:ext>
+            </a:extLst>
+          </a:blip>
+          <a:srcRect/>
+          <a:stretch>
+            <a:fillRect/>
+          </a:stretch>
+        </p:blipFill>
+        <p:spPr bwMode="auto">
+          <a:xfrm>
+            <a:off x="4524808" y="254441"/>
+            <a:ext cx="2447244" cy="2447244"/>
+          </a:xfrm>
+          <a:prstGeom prst="rect">
+            <a:avLst/>
+          </a:prstGeom>
+          <a:noFill/>
+          <a:extLst>
+            <a:ext uri="{909E8E84-426E-40DD-AFC4-6F175D3DCCD1}">
+              <a14:hiddenFill xmlns:a14="http://schemas.microsoft.com/office/drawing/2010/main">
+                <a:solidFill>
+                  <a:srgbClr val="FFFFFF"/>
+                </a:solidFill>
+              </a14:hiddenFill>
+            </a:ext>
+          </a:extLst>
+        </p:spPr>
+      </p:pic>
+      <p:sp>
+        <p:nvSpPr>
+          <p:cNvPr id="20" name="テキスト ボックス 19">
+            <a:extLst>
+              <a:ext uri="{FF2B5EF4-FFF2-40B4-BE49-F238E27FC236}">
+                <a16:creationId xmlns:a16="http://schemas.microsoft.com/office/drawing/2014/main" id="{59F3144C-842D-7083-96E6-EF55B2C452BF}"/>
+              </a:ext>
+            </a:extLst>
+          </p:cNvPr>
+          <p:cNvSpPr txBox="1"/>
+          <p:nvPr/>
+        </p:nvSpPr>
+        <p:spPr>
+          <a:xfrm>
+            <a:off x="4762069" y="5887096"/>
+            <a:ext cx="1972720" cy="523220"/>
+          </a:xfrm>
+          <a:prstGeom prst="rect">
+            <a:avLst/>
+          </a:prstGeom>
+          <a:noFill/>
+        </p:spPr>
+        <p:txBody>
+          <a:bodyPr wrap="none" rtlCol="0">
+            <a:spAutoFit/>
+          </a:bodyPr>
+          <a:lstStyle/>
+          <a:p>
+            <a:pPr algn="ctr"/>
+            <a:r>
+              <a:rPr kumimoji="1" lang="en-US" altLang="ja-JP" sz="2800" b="1" dirty="0" err="1">
+                <a:latin typeface="Segoe UI" panose="020B0502040204020203" pitchFamily="34" charset="0"/>
+                <a:ea typeface="メイリオ" panose="020B0604030504040204" pitchFamily="50" charset="-128"/>
+                <a:cs typeface="Segoe UI" panose="020B0502040204020203" pitchFamily="34" charset="0"/>
+              </a:rPr>
+              <a:t>Gint</a:t>
+            </a:r>
+            <a:r>
+              <a:rPr kumimoji="1" lang="en-US" altLang="ja-JP" sz="2800" b="1" dirty="0">
+                <a:latin typeface="Segoe UI" panose="020B0502040204020203" pitchFamily="34" charset="0"/>
+                <a:ea typeface="メイリオ" panose="020B0604030504040204" pitchFamily="50" charset="-128"/>
+                <a:cs typeface="Segoe UI" panose="020B0502040204020203" pitchFamily="34" charset="0"/>
+              </a:rPr>
+              <a:t>-Chart</a:t>
+            </a:r>
+            <a:endParaRPr kumimoji="1" lang="ja-JP" altLang="en-US" sz="2800" b="1" dirty="0">
+              <a:latin typeface="Segoe UI" panose="020B0502040204020203" pitchFamily="34" charset="0"/>
+              <a:ea typeface="メイリオ" panose="020B0604030504040204" pitchFamily="50" charset="-128"/>
+              <a:cs typeface="Segoe UI" panose="020B0502040204020203" pitchFamily="34" charset="0"/>
+            </a:endParaRPr>
+          </a:p>
+        </p:txBody>
+      </p:sp>
+      <p:sp>
+        <p:nvSpPr>
+          <p:cNvPr id="1027" name="テキスト ボックス 1026">
+            <a:extLst>
+              <a:ext uri="{FF2B5EF4-FFF2-40B4-BE49-F238E27FC236}">
+                <a16:creationId xmlns:a16="http://schemas.microsoft.com/office/drawing/2014/main" id="{8D6797D6-7E8D-6B6F-038D-F4AD73439BAC}"/>
+              </a:ext>
+            </a:extLst>
+          </p:cNvPr>
+          <p:cNvSpPr txBox="1"/>
+          <p:nvPr/>
+        </p:nvSpPr>
+        <p:spPr>
+          <a:xfrm>
+            <a:off x="3815430" y="3363933"/>
+            <a:ext cx="1697068" cy="584775"/>
+          </a:xfrm>
+          <a:prstGeom prst="rect">
+            <a:avLst/>
+          </a:prstGeom>
+          <a:noFill/>
+        </p:spPr>
+        <p:txBody>
+          <a:bodyPr wrap="none" rtlCol="0">
+            <a:spAutoFit/>
+          </a:bodyPr>
+          <a:lstStyle/>
+          <a:p>
+            <a:pPr algn="ctr"/>
+            <a:r>
+              <a:rPr lang="en-US" altLang="ja-JP" sz="1600" b="1" dirty="0">
+                <a:latin typeface="Segoe UI" panose="020B0502040204020203" pitchFamily="34" charset="0"/>
+                <a:ea typeface="メイリオ" panose="020B0604030504040204" pitchFamily="50" charset="-128"/>
+                <a:cs typeface="Segoe UI" panose="020B0502040204020203" pitchFamily="34" charset="0"/>
+              </a:rPr>
+              <a:t>fetch &amp; </a:t>
+            </a:r>
+            <a:r>
+              <a:rPr kumimoji="1" lang="en-US" altLang="ja-JP" sz="1600" b="1" dirty="0">
+                <a:latin typeface="Segoe UI" panose="020B0502040204020203" pitchFamily="34" charset="0"/>
+                <a:ea typeface="メイリオ" panose="020B0604030504040204" pitchFamily="50" charset="-128"/>
+                <a:cs typeface="Segoe UI" panose="020B0502040204020203" pitchFamily="34" charset="0"/>
+              </a:rPr>
+              <a:t>commit</a:t>
+            </a:r>
+          </a:p>
+          <a:p>
+            <a:pPr algn="ctr"/>
+            <a:r>
+              <a:rPr kumimoji="1" lang="en-US" altLang="ja-JP" sz="1600" b="1" dirty="0">
+                <a:latin typeface="Segoe UI" panose="020B0502040204020203" pitchFamily="34" charset="0"/>
+                <a:ea typeface="メイリオ" panose="020B0604030504040204" pitchFamily="50" charset="-128"/>
+                <a:cs typeface="Segoe UI" panose="020B0502040204020203" pitchFamily="34" charset="0"/>
+              </a:rPr>
+              <a:t>issue</a:t>
+            </a:r>
+            <a:endParaRPr kumimoji="1" lang="ja-JP" altLang="en-US" sz="1600" b="1" dirty="0">
+              <a:latin typeface="Segoe UI" panose="020B0502040204020203" pitchFamily="34" charset="0"/>
+              <a:ea typeface="メイリオ" panose="020B0604030504040204" pitchFamily="50" charset="-128"/>
+              <a:cs typeface="Segoe UI" panose="020B0502040204020203" pitchFamily="34" charset="0"/>
+            </a:endParaRPr>
+          </a:p>
+        </p:txBody>
+      </p:sp>
+      <p:sp>
+        <p:nvSpPr>
+          <p:cNvPr id="2" name="矢印: 上下 1">
+            <a:extLst>
+              <a:ext uri="{FF2B5EF4-FFF2-40B4-BE49-F238E27FC236}">
+                <a16:creationId xmlns:a16="http://schemas.microsoft.com/office/drawing/2014/main" id="{DD31C353-A793-3097-AEEB-0B725021AEB7}"/>
+              </a:ext>
+            </a:extLst>
+          </p:cNvPr>
+          <p:cNvSpPr/>
+          <p:nvPr/>
+        </p:nvSpPr>
+        <p:spPr>
+          <a:xfrm>
+            <a:off x="5568429" y="3048245"/>
+            <a:ext cx="360000" cy="1216152"/>
+          </a:xfrm>
+          <a:prstGeom prst="upDownArrow">
+            <a:avLst/>
+          </a:prstGeom>
+          <a:solidFill>
+            <a:schemeClr val="tx1">
+              <a:lumMod val="75000"/>
+              <a:lumOff val="25000"/>
+            </a:schemeClr>
+          </a:solidFill>
+          <a:ln>
+            <a:noFill/>
+          </a:ln>
+        </p:spPr>
+        <p:style>
+          <a:lnRef idx="2">
+            <a:schemeClr val="accent1">
+              <a:shade val="15000"/>
+            </a:schemeClr>
+          </a:lnRef>
+          <a:fillRef idx="1">
+            <a:schemeClr val="accent1"/>
+          </a:fillRef>
+          <a:effectRef idx="0">
+            <a:schemeClr val="accent1"/>
+          </a:effectRef>
+          <a:fontRef idx="minor">
+            <a:schemeClr val="lt1"/>
+          </a:fontRef>
+        </p:style>
+        <p:txBody>
+          <a:bodyPr rtlCol="0" anchor="ctr"/>
+          <a:lstStyle/>
+          <a:p>
+            <a:pPr algn="ctr"/>
+            <a:endParaRPr kumimoji="1" lang="ja-JP" altLang="en-US"/>
+          </a:p>
+        </p:txBody>
+      </p:sp>
+      <p:sp>
+        <p:nvSpPr>
+          <p:cNvPr id="19" name="フリーフォーム: 図形 18">
+            <a:extLst>
+              <a:ext uri="{FF2B5EF4-FFF2-40B4-BE49-F238E27FC236}">
+                <a16:creationId xmlns:a16="http://schemas.microsoft.com/office/drawing/2014/main" id="{01DBDE63-553B-5F5E-6BFD-67A2A8E251A8}"/>
+              </a:ext>
+            </a:extLst>
+          </p:cNvPr>
+          <p:cNvSpPr/>
+          <p:nvPr/>
+        </p:nvSpPr>
+        <p:spPr>
+          <a:xfrm rot="5400000">
+            <a:off x="1121551" y="737165"/>
+            <a:ext cx="1286734" cy="1624502"/>
+          </a:xfrm>
+          <a:custGeom>
+            <a:avLst/>
+            <a:gdLst>
+              <a:gd name="connsiteX0" fmla="*/ 440851 w 2385391"/>
+              <a:gd name="connsiteY0" fmla="*/ 2408954 h 3011557"/>
+              <a:gd name="connsiteX1" fmla="*/ 606133 w 2385391"/>
+              <a:gd name="connsiteY1" fmla="*/ 2574236 h 3011557"/>
+              <a:gd name="connsiteX2" fmla="*/ 1267243 w 2385391"/>
+              <a:gd name="connsiteY2" fmla="*/ 2574236 h 3011557"/>
+              <a:gd name="connsiteX3" fmla="*/ 1280148 w 2385391"/>
+              <a:gd name="connsiteY3" fmla="*/ 2571631 h 3011557"/>
+              <a:gd name="connsiteX4" fmla="*/ 1280148 w 2385391"/>
+              <a:gd name="connsiteY4" fmla="*/ 2574235 h 3011557"/>
+              <a:gd name="connsiteX5" fmla="*/ 1678843 w 2385391"/>
+              <a:gd name="connsiteY5" fmla="*/ 2574235 h 3011557"/>
+              <a:gd name="connsiteX6" fmla="*/ 1432525 w 2385391"/>
+              <a:gd name="connsiteY6" fmla="*/ 2327917 h 3011557"/>
+              <a:gd name="connsiteX7" fmla="*/ 1432525 w 2385391"/>
+              <a:gd name="connsiteY7" fmla="*/ 523093 h 3011557"/>
+              <a:gd name="connsiteX8" fmla="*/ 1267243 w 2385391"/>
+              <a:gd name="connsiteY8" fmla="*/ 357811 h 3011557"/>
+              <a:gd name="connsiteX9" fmla="*/ 606133 w 2385391"/>
+              <a:gd name="connsiteY9" fmla="*/ 357811 h 3011557"/>
+              <a:gd name="connsiteX10" fmla="*/ 440851 w 2385391"/>
+              <a:gd name="connsiteY10" fmla="*/ 523093 h 3011557"/>
+              <a:gd name="connsiteX11" fmla="*/ 0 w 2385391"/>
+              <a:gd name="connsiteY11" fmla="*/ 2711721 h 3011557"/>
+              <a:gd name="connsiteX12" fmla="*/ 0 w 2385391"/>
+              <a:gd name="connsiteY12" fmla="*/ 638344 h 3011557"/>
+              <a:gd name="connsiteX13" fmla="*/ 638344 w 2385391"/>
+              <a:gd name="connsiteY13" fmla="*/ 0 h 3011557"/>
+              <a:gd name="connsiteX14" fmla="*/ 1499147 w 2385391"/>
+              <a:gd name="connsiteY14" fmla="*/ 0 h 3011557"/>
+              <a:gd name="connsiteX15" fmla="*/ 1798983 w 2385391"/>
+              <a:gd name="connsiteY15" fmla="*/ 299836 h 3011557"/>
+              <a:gd name="connsiteX16" fmla="*/ 1798982 w 2385391"/>
+              <a:gd name="connsiteY16" fmla="*/ 2107096 h 3011557"/>
+              <a:gd name="connsiteX17" fmla="*/ 2385391 w 2385391"/>
+              <a:gd name="connsiteY17" fmla="*/ 2693505 h 3011557"/>
+              <a:gd name="connsiteX18" fmla="*/ 1798982 w 2385391"/>
+              <a:gd name="connsiteY18" fmla="*/ 2693505 h 3011557"/>
+              <a:gd name="connsiteX19" fmla="*/ 1798982 w 2385391"/>
+              <a:gd name="connsiteY19" fmla="*/ 2711721 h 3011557"/>
+              <a:gd name="connsiteX20" fmla="*/ 1499146 w 2385391"/>
+              <a:gd name="connsiteY20" fmla="*/ 3011557 h 3011557"/>
+              <a:gd name="connsiteX21" fmla="*/ 299836 w 2385391"/>
+              <a:gd name="connsiteY21" fmla="*/ 3011557 h 3011557"/>
+              <a:gd name="connsiteX22" fmla="*/ 0 w 2385391"/>
+              <a:gd name="connsiteY22" fmla="*/ 2711721 h 3011557"/>
+            </a:gdLst>
+            <a:ahLst/>
+            <a:cxnLst>
+              <a:cxn ang="0">
+                <a:pos x="connsiteX0" y="connsiteY0"/>
+              </a:cxn>
+              <a:cxn ang="0">
+                <a:pos x="connsiteX1" y="connsiteY1"/>
+              </a:cxn>
+              <a:cxn ang="0">
+                <a:pos x="connsiteX2" y="connsiteY2"/>
+              </a:cxn>
+              <a:cxn ang="0">
+                <a:pos x="connsiteX3" y="connsiteY3"/>
+              </a:cxn>
+              <a:cxn ang="0">
+                <a:pos x="connsiteX4" y="connsiteY4"/>
+              </a:cxn>
+              <a:cxn ang="0">
+                <a:pos x="connsiteX5" y="connsiteY5"/>
+              </a:cxn>
+              <a:cxn ang="0">
+                <a:pos x="connsiteX6" y="connsiteY6"/>
+              </a:cxn>
+              <a:cxn ang="0">
+                <a:pos x="connsiteX7" y="connsiteY7"/>
+              </a:cxn>
+              <a:cxn ang="0">
+                <a:pos x="connsiteX8" y="connsiteY8"/>
+              </a:cxn>
+              <a:cxn ang="0">
+                <a:pos x="connsiteX9" y="connsiteY9"/>
+              </a:cxn>
+              <a:cxn ang="0">
+                <a:pos x="connsiteX10" y="connsiteY10"/>
+              </a:cxn>
+              <a:cxn ang="0">
+                <a:pos x="connsiteX11" y="connsiteY11"/>
+              </a:cxn>
+              <a:cxn ang="0">
+                <a:pos x="connsiteX12" y="connsiteY12"/>
+              </a:cxn>
+              <a:cxn ang="0">
+                <a:pos x="connsiteX13" y="connsiteY13"/>
+              </a:cxn>
+              <a:cxn ang="0">
+                <a:pos x="connsiteX14" y="connsiteY14"/>
+              </a:cxn>
+              <a:cxn ang="0">
+                <a:pos x="connsiteX15" y="connsiteY15"/>
+              </a:cxn>
+              <a:cxn ang="0">
+                <a:pos x="connsiteX16" y="connsiteY16"/>
+              </a:cxn>
+              <a:cxn ang="0">
+                <a:pos x="connsiteX17" y="connsiteY17"/>
+              </a:cxn>
+              <a:cxn ang="0">
+                <a:pos x="connsiteX18" y="connsiteY18"/>
+              </a:cxn>
+              <a:cxn ang="0">
+                <a:pos x="connsiteX19" y="connsiteY19"/>
+              </a:cxn>
+              <a:cxn ang="0">
+                <a:pos x="connsiteX20" y="connsiteY20"/>
+              </a:cxn>
+              <a:cxn ang="0">
+                <a:pos x="connsiteX21" y="connsiteY21"/>
+              </a:cxn>
+              <a:cxn ang="0">
+                <a:pos x="connsiteX22" y="connsiteY22"/>
+              </a:cxn>
+            </a:cxnLst>
+            <a:rect l="l" t="t" r="r" b="b"/>
+            <a:pathLst>
+              <a:path w="2385391" h="3011557">
+                <a:moveTo>
+                  <a:pt x="440851" y="2408954"/>
+                </a:moveTo>
+                <a:cubicBezTo>
+                  <a:pt x="440851" y="2500237"/>
+                  <a:pt x="514850" y="2574236"/>
+                  <a:pt x="606133" y="2574236"/>
+                </a:cubicBezTo>
+                <a:lnTo>
+                  <a:pt x="1267243" y="2574236"/>
+                </a:lnTo>
+                <a:lnTo>
+                  <a:pt x="1280148" y="2571631"/>
+                </a:lnTo>
+                <a:lnTo>
+                  <a:pt x="1280148" y="2574235"/>
+                </a:lnTo>
+                <a:lnTo>
+                  <a:pt x="1678843" y="2574235"/>
+                </a:lnTo>
+                <a:lnTo>
+                  <a:pt x="1432525" y="2327917"/>
+                </a:lnTo>
+                <a:lnTo>
+                  <a:pt x="1432525" y="523093"/>
+                </a:lnTo>
+                <a:cubicBezTo>
+                  <a:pt x="1432525" y="431810"/>
+                  <a:pt x="1358526" y="357811"/>
+                  <a:pt x="1267243" y="357811"/>
+                </a:cubicBezTo>
+                <a:lnTo>
+                  <a:pt x="606133" y="357811"/>
+                </a:lnTo>
+                <a:cubicBezTo>
+                  <a:pt x="514850" y="357811"/>
+                  <a:pt x="440851" y="431810"/>
+                  <a:pt x="440851" y="523093"/>
+                </a:cubicBezTo>
+                <a:close/>
+                <a:moveTo>
+                  <a:pt x="0" y="2711721"/>
+                </a:moveTo>
+                <a:lnTo>
+                  <a:pt x="0" y="638344"/>
+                </a:lnTo>
+                <a:lnTo>
+                  <a:pt x="638344" y="0"/>
+                </a:lnTo>
+                <a:lnTo>
+                  <a:pt x="1499147" y="0"/>
+                </a:lnTo>
+                <a:cubicBezTo>
+                  <a:pt x="1664742" y="0"/>
+                  <a:pt x="1798983" y="134241"/>
+                  <a:pt x="1798983" y="299836"/>
+                </a:cubicBezTo>
+                <a:lnTo>
+                  <a:pt x="1798982" y="2107096"/>
+                </a:lnTo>
+                <a:lnTo>
+                  <a:pt x="2385391" y="2693505"/>
+                </a:lnTo>
+                <a:lnTo>
+                  <a:pt x="1798982" y="2693505"/>
+                </a:lnTo>
+                <a:lnTo>
+                  <a:pt x="1798982" y="2711721"/>
+                </a:lnTo>
+                <a:cubicBezTo>
+                  <a:pt x="1798982" y="2877316"/>
+                  <a:pt x="1664741" y="3011557"/>
+                  <a:pt x="1499146" y="3011557"/>
+                </a:cubicBezTo>
+                <a:lnTo>
+                  <a:pt x="299836" y="3011557"/>
+                </a:lnTo>
+                <a:cubicBezTo>
+                  <a:pt x="134241" y="3011557"/>
+                  <a:pt x="0" y="2877316"/>
+                  <a:pt x="0" y="2711721"/>
+                </a:cubicBezTo>
+                <a:close/>
+              </a:path>
+            </a:pathLst>
+          </a:custGeom>
+          <a:solidFill>
+            <a:schemeClr val="accent4">
+              <a:lumMod val="75000"/>
+            </a:schemeClr>
+          </a:solidFill>
+          <a:ln>
+            <a:noFill/>
+          </a:ln>
+        </p:spPr>
+        <p:style>
+          <a:lnRef idx="2">
+            <a:schemeClr val="accent1">
+              <a:shade val="15000"/>
+            </a:schemeClr>
+          </a:lnRef>
+          <a:fillRef idx="1">
+            <a:schemeClr val="accent1"/>
+          </a:fillRef>
+          <a:effectRef idx="0">
+            <a:schemeClr val="accent1"/>
+          </a:effectRef>
+          <a:fontRef idx="minor">
+            <a:schemeClr val="lt1"/>
+          </a:fontRef>
+        </p:style>
+        <p:txBody>
+          <a:bodyPr wrap="square" rtlCol="0" anchor="ctr">
+            <a:noAutofit/>
+          </a:bodyPr>
+          <a:lstStyle/>
+          <a:p>
+            <a:pPr algn="ctr"/>
+            <a:endParaRPr kumimoji="1" lang="ja-JP" altLang="en-US" dirty="0"/>
+          </a:p>
+        </p:txBody>
+      </p:sp>
+      <p:sp>
+        <p:nvSpPr>
+          <p:cNvPr id="21" name="テキスト ボックス 20">
+            <a:extLst>
+              <a:ext uri="{FF2B5EF4-FFF2-40B4-BE49-F238E27FC236}">
+                <a16:creationId xmlns:a16="http://schemas.microsoft.com/office/drawing/2014/main" id="{1D287832-56C0-07A7-CFF6-B096F2C1F6EF}"/>
+              </a:ext>
+            </a:extLst>
+          </p:cNvPr>
+          <p:cNvSpPr txBox="1"/>
+          <p:nvPr/>
+        </p:nvSpPr>
+        <p:spPr>
+          <a:xfrm>
+            <a:off x="629030" y="2263415"/>
+            <a:ext cx="2271777" cy="523220"/>
+          </a:xfrm>
+          <a:prstGeom prst="rect">
+            <a:avLst/>
+          </a:prstGeom>
+          <a:noFill/>
+        </p:spPr>
+        <p:txBody>
+          <a:bodyPr wrap="none" rtlCol="0">
+            <a:spAutoFit/>
+          </a:bodyPr>
+          <a:lstStyle/>
+          <a:p>
+            <a:pPr algn="ctr"/>
+            <a:r>
+              <a:rPr kumimoji="1" lang="en-US" altLang="ja-JP" sz="2800" b="1" dirty="0">
+                <a:latin typeface="Segoe UI" panose="020B0502040204020203" pitchFamily="34" charset="0"/>
+                <a:ea typeface="メイリオ" panose="020B0604030504040204" pitchFamily="50" charset="-128"/>
+                <a:cs typeface="Segoe UI" panose="020B0502040204020203" pitchFamily="34" charset="0"/>
+              </a:rPr>
+              <a:t>Google Chat</a:t>
+            </a:r>
+            <a:endParaRPr kumimoji="1" lang="ja-JP" altLang="en-US" sz="2800" b="1" dirty="0">
+              <a:latin typeface="Segoe UI" panose="020B0502040204020203" pitchFamily="34" charset="0"/>
+              <a:ea typeface="メイリオ" panose="020B0604030504040204" pitchFamily="50" charset="-128"/>
+              <a:cs typeface="Segoe UI" panose="020B0502040204020203" pitchFamily="34" charset="0"/>
+            </a:endParaRPr>
+          </a:p>
+        </p:txBody>
+      </p:sp>
+      <p:sp>
+        <p:nvSpPr>
+          <p:cNvPr id="30" name="テキスト ボックス 29">
+            <a:extLst>
+              <a:ext uri="{FF2B5EF4-FFF2-40B4-BE49-F238E27FC236}">
+                <a16:creationId xmlns:a16="http://schemas.microsoft.com/office/drawing/2014/main" id="{830BED37-3519-63FD-CFA2-D6A3B2F12BCE}"/>
+              </a:ext>
+            </a:extLst>
+          </p:cNvPr>
+          <p:cNvSpPr txBox="1"/>
+          <p:nvPr/>
+        </p:nvSpPr>
+        <p:spPr>
+          <a:xfrm>
+            <a:off x="3222849" y="1107343"/>
+            <a:ext cx="1301959" cy="338554"/>
+          </a:xfrm>
+          <a:prstGeom prst="rect">
+            <a:avLst/>
+          </a:prstGeom>
+          <a:noFill/>
+        </p:spPr>
+        <p:txBody>
+          <a:bodyPr wrap="none" rtlCol="0">
+            <a:spAutoFit/>
+          </a:bodyPr>
+          <a:lstStyle/>
+          <a:p>
+            <a:pPr algn="ctr"/>
+            <a:r>
+              <a:rPr lang="en-US" altLang="ja-JP" sz="1600" b="1" dirty="0">
+                <a:latin typeface="Segoe UI" panose="020B0502040204020203" pitchFamily="34" charset="0"/>
+                <a:ea typeface="メイリオ" panose="020B0604030504040204" pitchFamily="50" charset="-128"/>
+                <a:cs typeface="Segoe UI" panose="020B0502040204020203" pitchFamily="34" charset="0"/>
+              </a:rPr>
+              <a:t>notification</a:t>
+            </a:r>
+            <a:endParaRPr kumimoji="1" lang="ja-JP" altLang="en-US" sz="1600" b="1" dirty="0">
+              <a:latin typeface="Segoe UI" panose="020B0502040204020203" pitchFamily="34" charset="0"/>
+              <a:ea typeface="メイリオ" panose="020B0604030504040204" pitchFamily="50" charset="-128"/>
+              <a:cs typeface="Segoe UI" panose="020B0502040204020203" pitchFamily="34" charset="0"/>
+            </a:endParaRPr>
+          </a:p>
+        </p:txBody>
+      </p:sp>
+      <p:sp>
+        <p:nvSpPr>
+          <p:cNvPr id="31" name="矢印: 下 30">
+            <a:extLst>
+              <a:ext uri="{FF2B5EF4-FFF2-40B4-BE49-F238E27FC236}">
+                <a16:creationId xmlns:a16="http://schemas.microsoft.com/office/drawing/2014/main" id="{C9B5D824-29DA-2740-7B6E-B44D8E568548}"/>
+              </a:ext>
+            </a:extLst>
+          </p:cNvPr>
+          <p:cNvSpPr/>
+          <p:nvPr/>
+        </p:nvSpPr>
+        <p:spPr>
+          <a:xfrm rot="5400000">
+            <a:off x="3635430" y="831186"/>
+            <a:ext cx="360000" cy="1653754"/>
+          </a:xfrm>
+          <a:prstGeom prst="downArrow">
+            <a:avLst/>
+          </a:prstGeom>
+          <a:solidFill>
+            <a:schemeClr val="tx1">
+              <a:lumMod val="75000"/>
+              <a:lumOff val="25000"/>
+            </a:schemeClr>
+          </a:solidFill>
+          <a:ln>
+            <a:noFill/>
+          </a:ln>
+        </p:spPr>
+        <p:style>
+          <a:lnRef idx="2">
+            <a:schemeClr val="accent1">
+              <a:shade val="15000"/>
+            </a:schemeClr>
+          </a:lnRef>
+          <a:fillRef idx="1">
+            <a:schemeClr val="accent1"/>
+          </a:fillRef>
+          <a:effectRef idx="0">
+            <a:schemeClr val="accent1"/>
+          </a:effectRef>
+          <a:fontRef idx="minor">
+            <a:schemeClr val="lt1"/>
+          </a:fontRef>
+        </p:style>
+        <p:txBody>
+          <a:bodyPr rtlCol="0" anchor="ctr"/>
+          <a:lstStyle/>
+          <a:p>
+            <a:pPr algn="ctr"/>
+            <a:endParaRPr kumimoji="1" lang="ja-JP" altLang="en-US"/>
+          </a:p>
+        </p:txBody>
+      </p:sp>
       <p:grpSp>
         <p:nvGrpSpPr>
-          <p:cNvPr id="1024" name="グループ化 1023">
-            <a:extLst>
-              <a:ext uri="{FF2B5EF4-FFF2-40B4-BE49-F238E27FC236}">
-                <a16:creationId xmlns:a16="http://schemas.microsoft.com/office/drawing/2014/main" id="{6093490E-9658-10F9-0317-83890E5758E5}"/>
+          <p:cNvPr id="4" name="グループ化 3">
+            <a:extLst>
+              <a:ext uri="{FF2B5EF4-FFF2-40B4-BE49-F238E27FC236}">
+                <a16:creationId xmlns:a16="http://schemas.microsoft.com/office/drawing/2014/main" id="{9DBC29F3-9DB6-7EC5-6FD0-0200211565F7}"/>
               </a:ext>
             </a:extLst>
           </p:cNvPr>
@@ -4045,257 +4750,18 @@
         </p:nvGrpSpPr>
         <p:grpSpPr>
           <a:xfrm>
-            <a:off x="4467024" y="254441"/>
-            <a:ext cx="6732864" cy="6155875"/>
-            <a:chOff x="3761346" y="129230"/>
-            <a:chExt cx="6732864" cy="6155875"/>
+            <a:off x="9240357" y="813206"/>
+            <a:ext cx="1265382" cy="1265382"/>
+            <a:chOff x="3232727" y="2664691"/>
+            <a:chExt cx="1265382" cy="1265382"/>
           </a:xfrm>
         </p:grpSpPr>
         <p:sp>
           <p:nvSpPr>
-            <p:cNvPr id="7" name="テキスト ボックス 6">
+            <p:cNvPr id="5" name="楕円 4">
               <a:extLst>
                 <a:ext uri="{FF2B5EF4-FFF2-40B4-BE49-F238E27FC236}">
-                  <a16:creationId xmlns:a16="http://schemas.microsoft.com/office/drawing/2014/main" id="{57C7D3DC-FDA6-9E35-9C81-88BC766B6B43}"/>
-                </a:ext>
-              </a:extLst>
-            </p:cNvPr>
-            <p:cNvSpPr txBox="1"/>
-            <p:nvPr/>
-          </p:nvSpPr>
-          <p:spPr>
-            <a:xfrm>
-              <a:off x="7671063" y="2138204"/>
-              <a:ext cx="1282723" cy="523220"/>
-            </a:xfrm>
-            <a:prstGeom prst="rect">
-              <a:avLst/>
-            </a:prstGeom>
-            <a:noFill/>
-          </p:spPr>
-          <p:txBody>
-            <a:bodyPr wrap="none" rtlCol="0">
-              <a:spAutoFit/>
-            </a:bodyPr>
-            <a:lstStyle/>
-            <a:p>
-              <a:pPr algn="ctr"/>
-              <a:r>
-                <a:rPr kumimoji="1" lang="en-US" altLang="ja-JP" sz="2800" b="1" dirty="0">
-                  <a:latin typeface="Segoe UI" panose="020B0502040204020203" pitchFamily="34" charset="0"/>
-                  <a:ea typeface="メイリオ" panose="020B0604030504040204" pitchFamily="50" charset="-128"/>
-                  <a:cs typeface="Segoe UI" panose="020B0502040204020203" pitchFamily="34" charset="0"/>
-                </a:rPr>
-                <a:t>GitLab</a:t>
-              </a:r>
-              <a:endParaRPr kumimoji="1" lang="ja-JP" altLang="en-US" sz="2800" b="1" dirty="0">
-                <a:latin typeface="Segoe UI" panose="020B0502040204020203" pitchFamily="34" charset="0"/>
-                <a:ea typeface="メイリオ" panose="020B0604030504040204" pitchFamily="50" charset="-128"/>
-                <a:cs typeface="Segoe UI" panose="020B0502040204020203" pitchFamily="34" charset="0"/>
-              </a:endParaRPr>
-            </a:p>
-          </p:txBody>
-        </p:sp>
-        <p:pic>
-          <p:nvPicPr>
-            <p:cNvPr id="27" name="図 26">
-              <a:extLst>
-                <a:ext uri="{FF2B5EF4-FFF2-40B4-BE49-F238E27FC236}">
-                  <a16:creationId xmlns:a16="http://schemas.microsoft.com/office/drawing/2014/main" id="{CE448E4B-B197-111A-06A3-F6D867A3F939}"/>
-                </a:ext>
-              </a:extLst>
-            </p:cNvPr>
-            <p:cNvPicPr>
-              <a:picLocks noChangeAspect="1"/>
-            </p:cNvPicPr>
-            <p:nvPr/>
-          </p:nvPicPr>
-          <p:blipFill>
-            <a:blip r:embed="rId2"/>
-            <a:stretch>
-              <a:fillRect/>
-            </a:stretch>
-          </p:blipFill>
-          <p:spPr>
-            <a:xfrm>
-              <a:off x="7374694" y="4139186"/>
-              <a:ext cx="1875462" cy="1884309"/>
-            </a:xfrm>
-            <a:prstGeom prst="rect">
-              <a:avLst/>
-            </a:prstGeom>
-          </p:spPr>
-        </p:pic>
-        <p:pic>
-          <p:nvPicPr>
-            <p:cNvPr id="1026" name="Picture 2">
-              <a:extLst>
-                <a:ext uri="{FF2B5EF4-FFF2-40B4-BE49-F238E27FC236}">
-                  <a16:creationId xmlns:a16="http://schemas.microsoft.com/office/drawing/2014/main" id="{86E0E9B1-68F3-630E-4334-556D5EE3C27D}"/>
-                </a:ext>
-              </a:extLst>
-            </p:cNvPr>
-            <p:cNvPicPr>
-              <a:picLocks noChangeAspect="1" noChangeArrowheads="1"/>
-            </p:cNvPicPr>
-            <p:nvPr/>
-          </p:nvPicPr>
-          <p:blipFill>
-            <a:blip r:embed="rId3">
-              <a:extLst>
-                <a:ext uri="{28A0092B-C50C-407E-A947-70E740481C1C}">
-                  <a14:useLocalDpi xmlns:a14="http://schemas.microsoft.com/office/drawing/2010/main" val="0"/>
-                </a:ext>
-              </a:extLst>
-            </a:blip>
-            <a:srcRect/>
-            <a:stretch>
-              <a:fillRect/>
-            </a:stretch>
-          </p:blipFill>
-          <p:spPr bwMode="auto">
-            <a:xfrm>
-              <a:off x="7088803" y="129230"/>
-              <a:ext cx="2447244" cy="2447244"/>
-            </a:xfrm>
-            <a:prstGeom prst="rect">
-              <a:avLst/>
-            </a:prstGeom>
-            <a:noFill/>
-            <a:extLst>
-              <a:ext uri="{909E8E84-426E-40DD-AFC4-6F175D3DCCD1}">
-                <a14:hiddenFill xmlns:a14="http://schemas.microsoft.com/office/drawing/2010/main">
-                  <a:solidFill>
-                    <a:srgbClr val="FFFFFF"/>
-                  </a:solidFill>
-                </a14:hiddenFill>
-              </a:ext>
-            </a:extLst>
-          </p:spPr>
-        </p:pic>
-        <p:sp>
-          <p:nvSpPr>
-            <p:cNvPr id="20" name="テキスト ボックス 19">
-              <a:extLst>
-                <a:ext uri="{FF2B5EF4-FFF2-40B4-BE49-F238E27FC236}">
-                  <a16:creationId xmlns:a16="http://schemas.microsoft.com/office/drawing/2014/main" id="{59F3144C-842D-7083-96E6-EF55B2C452BF}"/>
-                </a:ext>
-              </a:extLst>
-            </p:cNvPr>
-            <p:cNvSpPr txBox="1"/>
-            <p:nvPr/>
-          </p:nvSpPr>
-          <p:spPr>
-            <a:xfrm>
-              <a:off x="7326064" y="5761885"/>
-              <a:ext cx="1972720" cy="523220"/>
-            </a:xfrm>
-            <a:prstGeom prst="rect">
-              <a:avLst/>
-            </a:prstGeom>
-            <a:noFill/>
-          </p:spPr>
-          <p:txBody>
-            <a:bodyPr wrap="none" rtlCol="0">
-              <a:spAutoFit/>
-            </a:bodyPr>
-            <a:lstStyle/>
-            <a:p>
-              <a:pPr algn="ctr"/>
-              <a:r>
-                <a:rPr kumimoji="1" lang="en-US" altLang="ja-JP" sz="2800" b="1" dirty="0" err="1">
-                  <a:latin typeface="Segoe UI" panose="020B0502040204020203" pitchFamily="34" charset="0"/>
-                  <a:ea typeface="メイリオ" panose="020B0604030504040204" pitchFamily="50" charset="-128"/>
-                  <a:cs typeface="Segoe UI" panose="020B0502040204020203" pitchFamily="34" charset="0"/>
-                </a:rPr>
-                <a:t>Gint</a:t>
-              </a:r>
-              <a:r>
-                <a:rPr kumimoji="1" lang="en-US" altLang="ja-JP" sz="2800" b="1" dirty="0">
-                  <a:latin typeface="Segoe UI" panose="020B0502040204020203" pitchFamily="34" charset="0"/>
-                  <a:ea typeface="メイリオ" panose="020B0604030504040204" pitchFamily="50" charset="-128"/>
-                  <a:cs typeface="Segoe UI" panose="020B0502040204020203" pitchFamily="34" charset="0"/>
-                </a:rPr>
-                <a:t>-Chart</a:t>
-              </a:r>
-              <a:endParaRPr kumimoji="1" lang="ja-JP" altLang="en-US" sz="2800" b="1" dirty="0">
-                <a:latin typeface="Segoe UI" panose="020B0502040204020203" pitchFamily="34" charset="0"/>
-                <a:ea typeface="メイリオ" panose="020B0604030504040204" pitchFamily="50" charset="-128"/>
-                <a:cs typeface="Segoe UI" panose="020B0502040204020203" pitchFamily="34" charset="0"/>
-              </a:endParaRPr>
-            </a:p>
-          </p:txBody>
-        </p:sp>
-        <p:sp>
-          <p:nvSpPr>
-            <p:cNvPr id="1027" name="テキスト ボックス 1026">
-              <a:extLst>
-                <a:ext uri="{FF2B5EF4-FFF2-40B4-BE49-F238E27FC236}">
-                  <a16:creationId xmlns:a16="http://schemas.microsoft.com/office/drawing/2014/main" id="{8D6797D6-7E8D-6B6F-038D-F4AD73439BAC}"/>
-                </a:ext>
-              </a:extLst>
-            </p:cNvPr>
-            <p:cNvSpPr txBox="1"/>
-            <p:nvPr/>
-          </p:nvSpPr>
-          <p:spPr>
-            <a:xfrm>
-              <a:off x="8797142" y="3238722"/>
-              <a:ext cx="1697068" cy="584775"/>
-            </a:xfrm>
-            <a:prstGeom prst="rect">
-              <a:avLst/>
-            </a:prstGeom>
-            <a:noFill/>
-          </p:spPr>
-          <p:txBody>
-            <a:bodyPr wrap="none" rtlCol="0">
-              <a:spAutoFit/>
-            </a:bodyPr>
-            <a:lstStyle/>
-            <a:p>
-              <a:pPr algn="ctr"/>
-              <a:r>
-                <a:rPr lang="en-US" altLang="ja-JP" sz="1600" b="1" dirty="0">
-                  <a:latin typeface="Segoe UI" panose="020B0502040204020203" pitchFamily="34" charset="0"/>
-                  <a:ea typeface="メイリオ" panose="020B0604030504040204" pitchFamily="50" charset="-128"/>
-                  <a:cs typeface="Segoe UI" panose="020B0502040204020203" pitchFamily="34" charset="0"/>
-                </a:rPr>
-                <a:t>fetch &amp; </a:t>
-              </a:r>
-              <a:r>
-                <a:rPr kumimoji="1" lang="en-US" altLang="ja-JP" sz="1600" b="1" dirty="0">
-                  <a:latin typeface="Segoe UI" panose="020B0502040204020203" pitchFamily="34" charset="0"/>
-                  <a:ea typeface="メイリオ" panose="020B0604030504040204" pitchFamily="50" charset="-128"/>
-                  <a:cs typeface="Segoe UI" panose="020B0502040204020203" pitchFamily="34" charset="0"/>
-                </a:rPr>
-                <a:t>commit</a:t>
-              </a:r>
-            </a:p>
-            <a:p>
-              <a:pPr algn="ctr"/>
-              <a:r>
-                <a:rPr lang="en-US" altLang="ja-JP" sz="1600" b="1" dirty="0" err="1">
-                  <a:latin typeface="Segoe UI" panose="020B0502040204020203" pitchFamily="34" charset="0"/>
-                  <a:ea typeface="メイリオ" panose="020B0604030504040204" pitchFamily="50" charset="-128"/>
-                  <a:cs typeface="Segoe UI" panose="020B0502040204020203" pitchFamily="34" charset="0"/>
-                </a:rPr>
-                <a:t>json</a:t>
-              </a:r>
-              <a:endParaRPr kumimoji="1" lang="ja-JP" altLang="en-US" sz="1600" b="1" dirty="0">
-                <a:latin typeface="Segoe UI" panose="020B0502040204020203" pitchFamily="34" charset="0"/>
-                <a:ea typeface="メイリオ" panose="020B0604030504040204" pitchFamily="50" charset="-128"/>
-                <a:cs typeface="Segoe UI" panose="020B0502040204020203" pitchFamily="34" charset="0"/>
-              </a:endParaRPr>
-            </a:p>
-          </p:txBody>
-        </p:sp>
-        <p:sp>
-          <p:nvSpPr>
-            <p:cNvPr id="2" name="矢印: 上下 1">
-              <a:extLst>
-                <a:ext uri="{FF2B5EF4-FFF2-40B4-BE49-F238E27FC236}">
-                  <a16:creationId xmlns:a16="http://schemas.microsoft.com/office/drawing/2014/main" id="{DD31C353-A793-3097-AEEB-0B725021AEB7}"/>
+                  <a16:creationId xmlns:a16="http://schemas.microsoft.com/office/drawing/2014/main" id="{116B8AED-2FA8-7701-904B-DD4AEA1891C1}"/>
                 </a:ext>
               </a:extLst>
             </p:cNvPr>
@@ -4304,16 +4770,15 @@
           </p:nvSpPr>
           <p:spPr>
             <a:xfrm>
-              <a:off x="8132424" y="2923034"/>
-              <a:ext cx="360000" cy="1216152"/>
+              <a:off x="3232727" y="2664691"/>
+              <a:ext cx="1265382" cy="1265382"/>
             </a:xfrm>
-            <a:prstGeom prst="upDownArrow">
+            <a:prstGeom prst="ellipse">
               <a:avLst/>
             </a:prstGeom>
             <a:solidFill>
-              <a:schemeClr val="tx1">
+              <a:schemeClr val="accent1">
                 <a:lumMod val="75000"/>
-                <a:lumOff val="25000"/>
               </a:schemeClr>
             </a:solidFill>
             <a:ln>
@@ -4347,10 +4812,10 @@
         </p:sp>
         <p:sp>
           <p:nvSpPr>
-            <p:cNvPr id="19" name="フリーフォーム: 図形 18">
+            <p:cNvPr id="6" name="フリーフォーム: 図形 5">
               <a:extLst>
                 <a:ext uri="{FF2B5EF4-FFF2-40B4-BE49-F238E27FC236}">
-                  <a16:creationId xmlns:a16="http://schemas.microsoft.com/office/drawing/2014/main" id="{01DBDE63-553B-5F5E-6BFD-67A2A8E251A8}"/>
+                  <a16:creationId xmlns:a16="http://schemas.microsoft.com/office/drawing/2014/main" id="{B86BEAEE-31A3-4F08-F263-BCB8D89BB4C8}"/>
                 </a:ext>
               </a:extLst>
             </p:cNvPr>
@@ -4358,59 +4823,23 @@
             <p:nvPr/>
           </p:nvSpPr>
           <p:spPr>
-            <a:xfrm rot="5400000">
-              <a:off x="4253867" y="611954"/>
-              <a:ext cx="1286734" cy="1624502"/>
+            <a:xfrm>
+              <a:off x="3320472" y="2752436"/>
+              <a:ext cx="1089891" cy="1089891"/>
             </a:xfrm>
             <a:custGeom>
               <a:avLst/>
               <a:gdLst>
-                <a:gd name="connsiteX0" fmla="*/ 440851 w 2385391"/>
-                <a:gd name="connsiteY0" fmla="*/ 2408954 h 3011557"/>
-                <a:gd name="connsiteX1" fmla="*/ 606133 w 2385391"/>
-                <a:gd name="connsiteY1" fmla="*/ 2574236 h 3011557"/>
-                <a:gd name="connsiteX2" fmla="*/ 1267243 w 2385391"/>
-                <a:gd name="connsiteY2" fmla="*/ 2574236 h 3011557"/>
-                <a:gd name="connsiteX3" fmla="*/ 1280148 w 2385391"/>
-                <a:gd name="connsiteY3" fmla="*/ 2571631 h 3011557"/>
-                <a:gd name="connsiteX4" fmla="*/ 1280148 w 2385391"/>
-                <a:gd name="connsiteY4" fmla="*/ 2574235 h 3011557"/>
-                <a:gd name="connsiteX5" fmla="*/ 1678843 w 2385391"/>
-                <a:gd name="connsiteY5" fmla="*/ 2574235 h 3011557"/>
-                <a:gd name="connsiteX6" fmla="*/ 1432525 w 2385391"/>
-                <a:gd name="connsiteY6" fmla="*/ 2327917 h 3011557"/>
-                <a:gd name="connsiteX7" fmla="*/ 1432525 w 2385391"/>
-                <a:gd name="connsiteY7" fmla="*/ 523093 h 3011557"/>
-                <a:gd name="connsiteX8" fmla="*/ 1267243 w 2385391"/>
-                <a:gd name="connsiteY8" fmla="*/ 357811 h 3011557"/>
-                <a:gd name="connsiteX9" fmla="*/ 606133 w 2385391"/>
-                <a:gd name="connsiteY9" fmla="*/ 357811 h 3011557"/>
-                <a:gd name="connsiteX10" fmla="*/ 440851 w 2385391"/>
-                <a:gd name="connsiteY10" fmla="*/ 523093 h 3011557"/>
-                <a:gd name="connsiteX11" fmla="*/ 0 w 2385391"/>
-                <a:gd name="connsiteY11" fmla="*/ 2711721 h 3011557"/>
-                <a:gd name="connsiteX12" fmla="*/ 0 w 2385391"/>
-                <a:gd name="connsiteY12" fmla="*/ 638344 h 3011557"/>
-                <a:gd name="connsiteX13" fmla="*/ 638344 w 2385391"/>
-                <a:gd name="connsiteY13" fmla="*/ 0 h 3011557"/>
-                <a:gd name="connsiteX14" fmla="*/ 1499147 w 2385391"/>
-                <a:gd name="connsiteY14" fmla="*/ 0 h 3011557"/>
-                <a:gd name="connsiteX15" fmla="*/ 1798983 w 2385391"/>
-                <a:gd name="connsiteY15" fmla="*/ 299836 h 3011557"/>
-                <a:gd name="connsiteX16" fmla="*/ 1798982 w 2385391"/>
-                <a:gd name="connsiteY16" fmla="*/ 2107096 h 3011557"/>
-                <a:gd name="connsiteX17" fmla="*/ 2385391 w 2385391"/>
-                <a:gd name="connsiteY17" fmla="*/ 2693505 h 3011557"/>
-                <a:gd name="connsiteX18" fmla="*/ 1798982 w 2385391"/>
-                <a:gd name="connsiteY18" fmla="*/ 2693505 h 3011557"/>
-                <a:gd name="connsiteX19" fmla="*/ 1798982 w 2385391"/>
-                <a:gd name="connsiteY19" fmla="*/ 2711721 h 3011557"/>
-                <a:gd name="connsiteX20" fmla="*/ 1499146 w 2385391"/>
-                <a:gd name="connsiteY20" fmla="*/ 3011557 h 3011557"/>
-                <a:gd name="connsiteX21" fmla="*/ 299836 w 2385391"/>
-                <a:gd name="connsiteY21" fmla="*/ 3011557 h 3011557"/>
-                <a:gd name="connsiteX22" fmla="*/ 0 w 2385391"/>
-                <a:gd name="connsiteY22" fmla="*/ 2711721 h 3011557"/>
+                <a:gd name="connsiteX0" fmla="*/ 457200 w 914400"/>
+                <a:gd name="connsiteY0" fmla="*/ 0 h 914400"/>
+                <a:gd name="connsiteX1" fmla="*/ 914400 w 914400"/>
+                <a:gd name="connsiteY1" fmla="*/ 457200 h 914400"/>
+                <a:gd name="connsiteX2" fmla="*/ 457200 w 914400"/>
+                <a:gd name="connsiteY2" fmla="*/ 914400 h 914400"/>
+                <a:gd name="connsiteX3" fmla="*/ 0 w 914400"/>
+                <a:gd name="connsiteY3" fmla="*/ 457200 h 914400"/>
+                <a:gd name="connsiteX4" fmla="*/ 457200 w 914400"/>
+                <a:gd name="connsiteY4" fmla="*/ 0 h 914400"/>
               </a:gdLst>
               <a:ahLst/>
               <a:cxnLst>
@@ -4429,154 +4858,39 @@
                 <a:cxn ang="0">
                   <a:pos x="connsiteX4" y="connsiteY4"/>
                 </a:cxn>
-                <a:cxn ang="0">
-                  <a:pos x="connsiteX5" y="connsiteY5"/>
-                </a:cxn>
-                <a:cxn ang="0">
-                  <a:pos x="connsiteX6" y="connsiteY6"/>
-                </a:cxn>
-                <a:cxn ang="0">
-                  <a:pos x="connsiteX7" y="connsiteY7"/>
-                </a:cxn>
-                <a:cxn ang="0">
-                  <a:pos x="connsiteX8" y="connsiteY8"/>
-                </a:cxn>
-                <a:cxn ang="0">
-                  <a:pos x="connsiteX9" y="connsiteY9"/>
-                </a:cxn>
-                <a:cxn ang="0">
-                  <a:pos x="connsiteX10" y="connsiteY10"/>
-                </a:cxn>
-                <a:cxn ang="0">
-                  <a:pos x="connsiteX11" y="connsiteY11"/>
-                </a:cxn>
-                <a:cxn ang="0">
-                  <a:pos x="connsiteX12" y="connsiteY12"/>
-                </a:cxn>
-                <a:cxn ang="0">
-                  <a:pos x="connsiteX13" y="connsiteY13"/>
-                </a:cxn>
-                <a:cxn ang="0">
-                  <a:pos x="connsiteX14" y="connsiteY14"/>
-                </a:cxn>
-                <a:cxn ang="0">
-                  <a:pos x="connsiteX15" y="connsiteY15"/>
-                </a:cxn>
-                <a:cxn ang="0">
-                  <a:pos x="connsiteX16" y="connsiteY16"/>
-                </a:cxn>
-                <a:cxn ang="0">
-                  <a:pos x="connsiteX17" y="connsiteY17"/>
-                </a:cxn>
-                <a:cxn ang="0">
-                  <a:pos x="connsiteX18" y="connsiteY18"/>
-                </a:cxn>
-                <a:cxn ang="0">
-                  <a:pos x="connsiteX19" y="connsiteY19"/>
-                </a:cxn>
-                <a:cxn ang="0">
-                  <a:pos x="connsiteX20" y="connsiteY20"/>
-                </a:cxn>
-                <a:cxn ang="0">
-                  <a:pos x="connsiteX21" y="connsiteY21"/>
-                </a:cxn>
-                <a:cxn ang="0">
-                  <a:pos x="connsiteX22" y="connsiteY22"/>
-                </a:cxn>
               </a:cxnLst>
               <a:rect l="l" t="t" r="r" b="b"/>
               <a:pathLst>
-                <a:path w="2385391" h="3011557">
+                <a:path w="914400" h="914400">
                   <a:moveTo>
-                    <a:pt x="440851" y="2408954"/>
+                    <a:pt x="457200" y="0"/>
                   </a:moveTo>
                   <a:cubicBezTo>
-                    <a:pt x="440851" y="2500237"/>
-                    <a:pt x="514850" y="2574236"/>
-                    <a:pt x="606133" y="2574236"/>
+                    <a:pt x="457200" y="252505"/>
+                    <a:pt x="661895" y="457200"/>
+                    <a:pt x="914400" y="457200"/>
                   </a:cubicBezTo>
-                  <a:lnTo>
-                    <a:pt x="1267243" y="2574236"/>
-                  </a:lnTo>
-                  <a:lnTo>
-                    <a:pt x="1280148" y="2571631"/>
-                  </a:lnTo>
-                  <a:lnTo>
-                    <a:pt x="1280148" y="2574235"/>
-                  </a:lnTo>
-                  <a:lnTo>
-                    <a:pt x="1678843" y="2574235"/>
-                  </a:lnTo>
-                  <a:lnTo>
-                    <a:pt x="1432525" y="2327917"/>
-                  </a:lnTo>
-                  <a:lnTo>
-                    <a:pt x="1432525" y="523093"/>
-                  </a:lnTo>
                   <a:cubicBezTo>
-                    <a:pt x="1432525" y="431810"/>
-                    <a:pt x="1358526" y="357811"/>
-                    <a:pt x="1267243" y="357811"/>
+                    <a:pt x="661895" y="457200"/>
+                    <a:pt x="457200" y="661895"/>
+                    <a:pt x="457200" y="914400"/>
                   </a:cubicBezTo>
-                  <a:lnTo>
-                    <a:pt x="606133" y="357811"/>
-                  </a:lnTo>
                   <a:cubicBezTo>
-                    <a:pt x="514850" y="357811"/>
-                    <a:pt x="440851" y="431810"/>
-                    <a:pt x="440851" y="523093"/>
+                    <a:pt x="457200" y="661895"/>
+                    <a:pt x="252505" y="457200"/>
+                    <a:pt x="0" y="457200"/>
                   </a:cubicBezTo>
-                  <a:close/>
-                  <a:moveTo>
-                    <a:pt x="0" y="2711721"/>
-                  </a:moveTo>
-                  <a:lnTo>
-                    <a:pt x="0" y="638344"/>
-                  </a:lnTo>
-                  <a:lnTo>
-                    <a:pt x="638344" y="0"/>
-                  </a:lnTo>
-                  <a:lnTo>
-                    <a:pt x="1499147" y="0"/>
-                  </a:lnTo>
                   <a:cubicBezTo>
-                    <a:pt x="1664742" y="0"/>
-                    <a:pt x="1798983" y="134241"/>
-                    <a:pt x="1798983" y="299836"/>
-                  </a:cubicBezTo>
-                  <a:lnTo>
-                    <a:pt x="1798982" y="2107096"/>
-                  </a:lnTo>
-                  <a:lnTo>
-                    <a:pt x="2385391" y="2693505"/>
-                  </a:lnTo>
-                  <a:lnTo>
-                    <a:pt x="1798982" y="2693505"/>
-                  </a:lnTo>
-                  <a:lnTo>
-                    <a:pt x="1798982" y="2711721"/>
-                  </a:lnTo>
-                  <a:cubicBezTo>
-                    <a:pt x="1798982" y="2877316"/>
-                    <a:pt x="1664741" y="3011557"/>
-                    <a:pt x="1499146" y="3011557"/>
-                  </a:cubicBezTo>
-                  <a:lnTo>
-                    <a:pt x="299836" y="3011557"/>
-                  </a:lnTo>
-                  <a:cubicBezTo>
-                    <a:pt x="134241" y="3011557"/>
-                    <a:pt x="0" y="2877316"/>
-                    <a:pt x="0" y="2711721"/>
+                    <a:pt x="252505" y="457200"/>
+                    <a:pt x="457200" y="252505"/>
+                    <a:pt x="457200" y="0"/>
                   </a:cubicBezTo>
                   <a:close/>
                 </a:path>
               </a:pathLst>
             </a:custGeom>
             <a:solidFill>
-              <a:schemeClr val="accent4">
-                <a:lumMod val="75000"/>
-              </a:schemeClr>
+              <a:schemeClr val="bg1"/>
             </a:solidFill>
             <a:ln>
               <a:noFill/>
@@ -4605,106 +4919,231 @@
             <a:lstStyle/>
             <a:p>
               <a:pPr algn="ctr"/>
-              <a:endParaRPr kumimoji="1" lang="ja-JP" altLang="en-US" dirty="0"/>
+              <a:endParaRPr kumimoji="1" lang="ja-JP" altLang="en-US"/>
             </a:p>
           </p:txBody>
         </p:sp>
-        <p:sp>
-          <p:nvSpPr>
-            <p:cNvPr id="21" name="テキスト ボックス 20">
-              <a:extLst>
-                <a:ext uri="{FF2B5EF4-FFF2-40B4-BE49-F238E27FC236}">
-                  <a16:creationId xmlns:a16="http://schemas.microsoft.com/office/drawing/2014/main" id="{1D287832-56C0-07A7-CFF6-B096F2C1F6EF}"/>
-                </a:ext>
-              </a:extLst>
-            </p:cNvPr>
-            <p:cNvSpPr txBox="1"/>
-            <p:nvPr/>
-          </p:nvSpPr>
-          <p:spPr>
-            <a:xfrm>
-              <a:off x="3761346" y="2138204"/>
-              <a:ext cx="2271777" cy="523220"/>
-            </a:xfrm>
-            <a:prstGeom prst="rect">
-              <a:avLst/>
-            </a:prstGeom>
-            <a:noFill/>
-          </p:spPr>
-          <p:txBody>
-            <a:bodyPr wrap="none" rtlCol="0">
-              <a:spAutoFit/>
-            </a:bodyPr>
-            <a:lstStyle/>
-            <a:p>
-              <a:pPr algn="ctr"/>
-              <a:r>
-                <a:rPr kumimoji="1" lang="en-US" altLang="ja-JP" sz="2800" b="1" dirty="0">
-                  <a:latin typeface="Segoe UI" panose="020B0502040204020203" pitchFamily="34" charset="0"/>
-                  <a:ea typeface="メイリオ" panose="020B0604030504040204" pitchFamily="50" charset="-128"/>
-                  <a:cs typeface="Segoe UI" panose="020B0502040204020203" pitchFamily="34" charset="0"/>
-                </a:rPr>
-                <a:t>Google Chat</a:t>
-              </a:r>
-              <a:endParaRPr kumimoji="1" lang="ja-JP" altLang="en-US" sz="2800" b="1" dirty="0">
+      </p:grpSp>
+      <p:sp>
+        <p:nvSpPr>
+          <p:cNvPr id="8" name="テキスト ボックス 7">
+            <a:extLst>
+              <a:ext uri="{FF2B5EF4-FFF2-40B4-BE49-F238E27FC236}">
+                <a16:creationId xmlns:a16="http://schemas.microsoft.com/office/drawing/2014/main" id="{D3AF7925-C973-AC39-C386-0EA487CE7E69}"/>
+              </a:ext>
+            </a:extLst>
+          </p:cNvPr>
+          <p:cNvSpPr txBox="1"/>
+          <p:nvPr/>
+        </p:nvSpPr>
+        <p:spPr>
+          <a:xfrm>
+            <a:off x="9180389" y="2263415"/>
+            <a:ext cx="1385316" cy="523220"/>
+          </a:xfrm>
+          <a:prstGeom prst="rect">
+            <a:avLst/>
+          </a:prstGeom>
+          <a:noFill/>
+        </p:spPr>
+        <p:txBody>
+          <a:bodyPr wrap="none" rtlCol="0">
+            <a:spAutoFit/>
+          </a:bodyPr>
+          <a:lstStyle/>
+          <a:p>
+            <a:pPr algn="ctr"/>
+            <a:r>
+              <a:rPr kumimoji="1" lang="en-US" altLang="ja-JP" sz="2800" b="1" dirty="0">
                 <a:latin typeface="Segoe UI" panose="020B0502040204020203" pitchFamily="34" charset="0"/>
                 <a:ea typeface="メイリオ" panose="020B0604030504040204" pitchFamily="50" charset="-128"/>
                 <a:cs typeface="Segoe UI" panose="020B0502040204020203" pitchFamily="34" charset="0"/>
-              </a:endParaRPr>
-            </a:p>
-          </p:txBody>
-        </p:sp>
-        <p:sp>
-          <p:nvSpPr>
-            <p:cNvPr id="30" name="テキスト ボックス 29">
-              <a:extLst>
-                <a:ext uri="{FF2B5EF4-FFF2-40B4-BE49-F238E27FC236}">
-                  <a16:creationId xmlns:a16="http://schemas.microsoft.com/office/drawing/2014/main" id="{830BED37-3519-63FD-CFA2-D6A3B2F12BCE}"/>
-                </a:ext>
-              </a:extLst>
-            </p:cNvPr>
-            <p:cNvSpPr txBox="1"/>
-            <p:nvPr/>
-          </p:nvSpPr>
-          <p:spPr>
-            <a:xfrm>
-              <a:off x="5329526" y="3531109"/>
-              <a:ext cx="1301959" cy="338554"/>
-            </a:xfrm>
-            <a:prstGeom prst="rect">
-              <a:avLst/>
-            </a:prstGeom>
+              </a:rPr>
+              <a:t>Gemini</a:t>
+            </a:r>
+            <a:endParaRPr kumimoji="1" lang="ja-JP" altLang="en-US" sz="2800" b="1" dirty="0">
+              <a:latin typeface="Segoe UI" panose="020B0502040204020203" pitchFamily="34" charset="0"/>
+              <a:ea typeface="メイリオ" panose="020B0604030504040204" pitchFamily="50" charset="-128"/>
+              <a:cs typeface="Segoe UI" panose="020B0502040204020203" pitchFamily="34" charset="0"/>
+            </a:endParaRPr>
+          </a:p>
+        </p:txBody>
+      </p:sp>
+      <p:sp>
+        <p:nvSpPr>
+          <p:cNvPr id="9" name="矢印: 下 8">
+            <a:extLst>
+              <a:ext uri="{FF2B5EF4-FFF2-40B4-BE49-F238E27FC236}">
+                <a16:creationId xmlns:a16="http://schemas.microsoft.com/office/drawing/2014/main" id="{73AB6DA4-032F-569B-F030-E39521E26B9D}"/>
+              </a:ext>
+            </a:extLst>
+          </p:cNvPr>
+          <p:cNvSpPr/>
+          <p:nvPr/>
+        </p:nvSpPr>
+        <p:spPr>
+          <a:xfrm rot="14214695">
+            <a:off x="7656065" y="2397815"/>
+            <a:ext cx="360000" cy="2376869"/>
+          </a:xfrm>
+          <a:prstGeom prst="downArrow">
+            <a:avLst/>
+          </a:prstGeom>
+          <a:solidFill>
+            <a:schemeClr val="tx1">
+              <a:lumMod val="75000"/>
+              <a:lumOff val="25000"/>
+            </a:schemeClr>
+          </a:solidFill>
+          <a:ln>
             <a:noFill/>
-          </p:spPr>
-          <p:txBody>
-            <a:bodyPr wrap="none" rtlCol="0">
-              <a:spAutoFit/>
-            </a:bodyPr>
-            <a:lstStyle/>
-            <a:p>
-              <a:pPr algn="ctr"/>
-              <a:r>
-                <a:rPr lang="en-US" altLang="ja-JP" sz="1600" b="1" dirty="0">
-                  <a:latin typeface="Segoe UI" panose="020B0502040204020203" pitchFamily="34" charset="0"/>
-                  <a:ea typeface="メイリオ" panose="020B0604030504040204" pitchFamily="50" charset="-128"/>
-                  <a:cs typeface="Segoe UI" panose="020B0502040204020203" pitchFamily="34" charset="0"/>
-                </a:rPr>
-                <a:t>notification</a:t>
-              </a:r>
-              <a:endParaRPr kumimoji="1" lang="ja-JP" altLang="en-US" sz="1600" b="1" dirty="0">
+          </a:ln>
+        </p:spPr>
+        <p:style>
+          <a:lnRef idx="2">
+            <a:schemeClr val="accent1">
+              <a:shade val="15000"/>
+            </a:schemeClr>
+          </a:lnRef>
+          <a:fillRef idx="1">
+            <a:schemeClr val="accent1"/>
+          </a:fillRef>
+          <a:effectRef idx="0">
+            <a:schemeClr val="accent1"/>
+          </a:effectRef>
+          <a:fontRef idx="minor">
+            <a:schemeClr val="lt1"/>
+          </a:fontRef>
+        </p:style>
+        <p:txBody>
+          <a:bodyPr rtlCol="0" anchor="ctr"/>
+          <a:lstStyle/>
+          <a:p>
+            <a:pPr algn="ctr"/>
+            <a:endParaRPr kumimoji="1" lang="ja-JP" altLang="en-US"/>
+          </a:p>
+        </p:txBody>
+      </p:sp>
+      <p:sp>
+        <p:nvSpPr>
+          <p:cNvPr id="10" name="テキスト ボックス 9">
+            <a:extLst>
+              <a:ext uri="{FF2B5EF4-FFF2-40B4-BE49-F238E27FC236}">
+                <a16:creationId xmlns:a16="http://schemas.microsoft.com/office/drawing/2014/main" id="{B99C0E86-155C-77E4-5DD8-402AAAEF074D}"/>
+              </a:ext>
+            </a:extLst>
+          </p:cNvPr>
+          <p:cNvSpPr txBox="1"/>
+          <p:nvPr/>
+        </p:nvSpPr>
+        <p:spPr>
+          <a:xfrm>
+            <a:off x="8192807" y="3730315"/>
+            <a:ext cx="1342291" cy="584775"/>
+          </a:xfrm>
+          <a:prstGeom prst="rect">
+            <a:avLst/>
+          </a:prstGeom>
+          <a:noFill/>
+        </p:spPr>
+        <p:txBody>
+          <a:bodyPr wrap="none" rtlCol="0">
+            <a:spAutoFit/>
+          </a:bodyPr>
+          <a:lstStyle/>
+          <a:p>
+            <a:pPr algn="ctr"/>
+            <a:r>
+              <a:rPr kumimoji="1" lang="en-US" altLang="ja-JP" sz="1600" b="1" dirty="0">
                 <a:latin typeface="Segoe UI" panose="020B0502040204020203" pitchFamily="34" charset="0"/>
                 <a:ea typeface="メイリオ" panose="020B0604030504040204" pitchFamily="50" charset="-128"/>
                 <a:cs typeface="Segoe UI" panose="020B0502040204020203" pitchFamily="34" charset="0"/>
-              </a:endParaRPr>
-            </a:p>
-          </p:txBody>
-        </p:sp>
+              </a:rPr>
+              <a:t>generate</a:t>
+            </a:r>
+          </a:p>
+          <a:p>
+            <a:pPr algn="ctr"/>
+            <a:r>
+              <a:rPr lang="en-US" altLang="ja-JP" sz="1600" b="1" dirty="0">
+                <a:latin typeface="Segoe UI" panose="020B0502040204020203" pitchFamily="34" charset="0"/>
+                <a:ea typeface="メイリオ" panose="020B0604030504040204" pitchFamily="50" charset="-128"/>
+                <a:cs typeface="Segoe UI" panose="020B0502040204020203" pitchFamily="34" charset="0"/>
+              </a:rPr>
+              <a:t>d</a:t>
+            </a:r>
+            <a:r>
+              <a:rPr kumimoji="1" lang="en-US" altLang="ja-JP" sz="1600" b="1" dirty="0">
+                <a:latin typeface="Segoe UI" panose="020B0502040204020203" pitchFamily="34" charset="0"/>
+                <a:ea typeface="メイリオ" panose="020B0604030504040204" pitchFamily="50" charset="-128"/>
+                <a:cs typeface="Segoe UI" panose="020B0502040204020203" pitchFamily="34" charset="0"/>
+              </a:rPr>
+              <a:t>aily-report</a:t>
+            </a:r>
+            <a:endParaRPr kumimoji="1" lang="ja-JP" altLang="en-US" sz="1600" b="1" dirty="0">
+              <a:latin typeface="Segoe UI" panose="020B0502040204020203" pitchFamily="34" charset="0"/>
+              <a:ea typeface="メイリオ" panose="020B0604030504040204" pitchFamily="50" charset="-128"/>
+              <a:cs typeface="Segoe UI" panose="020B0502040204020203" pitchFamily="34" charset="0"/>
+            </a:endParaRPr>
+          </a:p>
+        </p:txBody>
+      </p:sp>
+    </p:spTree>
+    <p:extLst>
+      <p:ext uri="{BB962C8B-B14F-4D97-AF65-F5344CB8AC3E}">
+        <p14:creationId xmlns:p14="http://schemas.microsoft.com/office/powerpoint/2010/main" val="1223530374"/>
+      </p:ext>
+    </p:extLst>
+  </p:cSld>
+  <p:clrMapOvr>
+    <a:masterClrMapping/>
+  </p:clrMapOvr>
+</p:sld>
+</file>
+
+<file path=ppt/slides/slide12.xml><?xml version="1.0" encoding="utf-8"?>
+<p:sld xmlns:a="http://schemas.openxmlformats.org/drawingml/2006/main" xmlns:r="http://schemas.openxmlformats.org/officeDocument/2006/relationships" xmlns:p="http://schemas.openxmlformats.org/presentationml/2006/main" show="0">
+  <p:cSld>
+    <p:spTree>
+      <p:nvGrpSpPr>
+        <p:cNvPr id="1" name=""/>
+        <p:cNvGrpSpPr/>
+        <p:nvPr/>
+      </p:nvGrpSpPr>
+      <p:grpSpPr>
+        <a:xfrm>
+          <a:off x="0" y="0"/>
+          <a:ext cx="0" cy="0"/>
+          <a:chOff x="0" y="0"/>
+          <a:chExt cx="0" cy="0"/>
+        </a:xfrm>
+      </p:grpSpPr>
+      <p:grpSp>
+        <p:nvGrpSpPr>
+          <p:cNvPr id="20" name="グループ化 19">
+            <a:extLst>
+              <a:ext uri="{FF2B5EF4-FFF2-40B4-BE49-F238E27FC236}">
+                <a16:creationId xmlns:a16="http://schemas.microsoft.com/office/drawing/2014/main" id="{0FC62162-228E-5737-D143-9E05F9035459}"/>
+              </a:ext>
+            </a:extLst>
+          </p:cNvPr>
+          <p:cNvGrpSpPr/>
+          <p:nvPr/>
+        </p:nvGrpSpPr>
+        <p:grpSpPr>
+          <a:xfrm>
+            <a:off x="3232727" y="2664691"/>
+            <a:ext cx="1265382" cy="1265382"/>
+            <a:chOff x="3232727" y="2664691"/>
+            <a:chExt cx="1265382" cy="1265382"/>
+          </a:xfrm>
+        </p:grpSpPr>
         <p:sp>
           <p:nvSpPr>
-            <p:cNvPr id="31" name="矢印: 下 30">
+            <p:cNvPr id="19" name="楕円 18">
               <a:extLst>
                 <a:ext uri="{FF2B5EF4-FFF2-40B4-BE49-F238E27FC236}">
-                  <a16:creationId xmlns:a16="http://schemas.microsoft.com/office/drawing/2014/main" id="{C9B5D824-29DA-2740-7B6E-B44D8E568548}"/>
+                  <a16:creationId xmlns:a16="http://schemas.microsoft.com/office/drawing/2014/main" id="{F9B0FABA-8471-ADF7-7618-3B7D2A69CD48}"/>
                 </a:ext>
               </a:extLst>
             </p:cNvPr>
@@ -4712,17 +5151,16 @@
             <p:nvPr/>
           </p:nvSpPr>
           <p:spPr>
-            <a:xfrm rot="7954719">
-              <a:off x="6756203" y="2866940"/>
-              <a:ext cx="360000" cy="1359540"/>
+            <a:xfrm>
+              <a:off x="3232727" y="2664691"/>
+              <a:ext cx="1265382" cy="1265382"/>
             </a:xfrm>
-            <a:prstGeom prst="downArrow">
+            <a:prstGeom prst="ellipse">
               <a:avLst/>
             </a:prstGeom>
             <a:solidFill>
-              <a:schemeClr val="tx1">
+              <a:schemeClr val="accent1">
                 <a:lumMod val="75000"/>
-                <a:lumOff val="25000"/>
               </a:schemeClr>
             </a:solidFill>
             <a:ln>
@@ -4754,93 +5192,160 @@
             </a:p>
           </p:txBody>
         </p:sp>
+        <p:sp>
+          <p:nvSpPr>
+            <p:cNvPr id="12" name="フリーフォーム: 図形 11">
+              <a:extLst>
+                <a:ext uri="{FF2B5EF4-FFF2-40B4-BE49-F238E27FC236}">
+                  <a16:creationId xmlns:a16="http://schemas.microsoft.com/office/drawing/2014/main" id="{4FA2F756-AC4E-5DDC-F2A6-A52F3FEF3DF6}"/>
+                </a:ext>
+              </a:extLst>
+            </p:cNvPr>
+            <p:cNvSpPr/>
+            <p:nvPr/>
+          </p:nvSpPr>
+          <p:spPr>
+            <a:xfrm>
+              <a:off x="3320472" y="2752436"/>
+              <a:ext cx="1089891" cy="1089891"/>
+            </a:xfrm>
+            <a:custGeom>
+              <a:avLst/>
+              <a:gdLst>
+                <a:gd name="connsiteX0" fmla="*/ 457200 w 914400"/>
+                <a:gd name="connsiteY0" fmla="*/ 0 h 914400"/>
+                <a:gd name="connsiteX1" fmla="*/ 914400 w 914400"/>
+                <a:gd name="connsiteY1" fmla="*/ 457200 h 914400"/>
+                <a:gd name="connsiteX2" fmla="*/ 457200 w 914400"/>
+                <a:gd name="connsiteY2" fmla="*/ 914400 h 914400"/>
+                <a:gd name="connsiteX3" fmla="*/ 0 w 914400"/>
+                <a:gd name="connsiteY3" fmla="*/ 457200 h 914400"/>
+                <a:gd name="connsiteX4" fmla="*/ 457200 w 914400"/>
+                <a:gd name="connsiteY4" fmla="*/ 0 h 914400"/>
+              </a:gdLst>
+              <a:ahLst/>
+              <a:cxnLst>
+                <a:cxn ang="0">
+                  <a:pos x="connsiteX0" y="connsiteY0"/>
+                </a:cxn>
+                <a:cxn ang="0">
+                  <a:pos x="connsiteX1" y="connsiteY1"/>
+                </a:cxn>
+                <a:cxn ang="0">
+                  <a:pos x="connsiteX2" y="connsiteY2"/>
+                </a:cxn>
+                <a:cxn ang="0">
+                  <a:pos x="connsiteX3" y="connsiteY3"/>
+                </a:cxn>
+                <a:cxn ang="0">
+                  <a:pos x="connsiteX4" y="connsiteY4"/>
+                </a:cxn>
+              </a:cxnLst>
+              <a:rect l="l" t="t" r="r" b="b"/>
+              <a:pathLst>
+                <a:path w="914400" h="914400">
+                  <a:moveTo>
+                    <a:pt x="457200" y="0"/>
+                  </a:moveTo>
+                  <a:cubicBezTo>
+                    <a:pt x="457200" y="252505"/>
+                    <a:pt x="661895" y="457200"/>
+                    <a:pt x="914400" y="457200"/>
+                  </a:cubicBezTo>
+                  <a:cubicBezTo>
+                    <a:pt x="661895" y="457200"/>
+                    <a:pt x="457200" y="661895"/>
+                    <a:pt x="457200" y="914400"/>
+                  </a:cubicBezTo>
+                  <a:cubicBezTo>
+                    <a:pt x="457200" y="661895"/>
+                    <a:pt x="252505" y="457200"/>
+                    <a:pt x="0" y="457200"/>
+                  </a:cubicBezTo>
+                  <a:cubicBezTo>
+                    <a:pt x="252505" y="457200"/>
+                    <a:pt x="457200" y="252505"/>
+                    <a:pt x="457200" y="0"/>
+                  </a:cubicBezTo>
+                  <a:close/>
+                </a:path>
+              </a:pathLst>
+            </a:custGeom>
+            <a:solidFill>
+              <a:schemeClr val="bg1"/>
+            </a:solidFill>
+            <a:ln>
+              <a:noFill/>
+            </a:ln>
+          </p:spPr>
+          <p:style>
+            <a:lnRef idx="2">
+              <a:schemeClr val="accent1">
+                <a:shade val="15000"/>
+              </a:schemeClr>
+            </a:lnRef>
+            <a:fillRef idx="1">
+              <a:schemeClr val="accent1"/>
+            </a:fillRef>
+            <a:effectRef idx="0">
+              <a:schemeClr val="accent1"/>
+            </a:effectRef>
+            <a:fontRef idx="minor">
+              <a:schemeClr val="lt1"/>
+            </a:fontRef>
+          </p:style>
+          <p:txBody>
+            <a:bodyPr wrap="square" rtlCol="0" anchor="ctr">
+              <a:noAutofit/>
+            </a:bodyPr>
+            <a:lstStyle/>
+            <a:p>
+              <a:pPr algn="ctr"/>
+              <a:endParaRPr kumimoji="1" lang="ja-JP" altLang="en-US"/>
+            </a:p>
+          </p:txBody>
+        </p:sp>
       </p:grpSp>
-      <p:sp>
-        <p:nvSpPr>
-          <p:cNvPr id="1025" name="テキスト ボックス 1024">
-            <a:extLst>
-              <a:ext uri="{FF2B5EF4-FFF2-40B4-BE49-F238E27FC236}">
-                <a16:creationId xmlns:a16="http://schemas.microsoft.com/office/drawing/2014/main" id="{6601857D-B241-DB76-48F2-E5AD175268D0}"/>
-              </a:ext>
-            </a:extLst>
-          </p:cNvPr>
-          <p:cNvSpPr txBox="1"/>
-          <p:nvPr/>
-        </p:nvSpPr>
-        <p:spPr>
-          <a:xfrm>
-            <a:off x="1682057" y="3042651"/>
-            <a:ext cx="2117311" cy="2590004"/>
-          </a:xfrm>
-          <a:prstGeom prst="rect">
-            <a:avLst/>
-          </a:prstGeom>
-          <a:noFill/>
-        </p:spPr>
-        <p:txBody>
-          <a:bodyPr wrap="none" rtlCol="0">
-            <a:spAutoFit/>
-          </a:bodyPr>
-          <a:lstStyle/>
-          <a:p>
-            <a:pPr>
-              <a:lnSpc>
-                <a:spcPct val="200000"/>
-              </a:lnSpc>
-            </a:pPr>
-            <a:r>
-              <a:rPr kumimoji="1" lang="en-US" altLang="ja-JP" sz="4400" b="1" dirty="0">
-                <a:solidFill>
-                  <a:schemeClr val="tx1">
-                    <a:lumMod val="85000"/>
-                    <a:lumOff val="15000"/>
-                  </a:schemeClr>
-                </a:solidFill>
-                <a:latin typeface="Segoe UI" panose="020B0502040204020203" pitchFamily="34" charset="0"/>
-                <a:ea typeface="メイリオ" panose="020B0604030504040204" pitchFamily="50" charset="-128"/>
-                <a:cs typeface="Segoe UI" panose="020B0502040204020203" pitchFamily="34" charset="0"/>
-              </a:rPr>
-              <a:t>Next</a:t>
-            </a:r>
-          </a:p>
-          <a:p>
-            <a:pPr>
-              <a:lnSpc>
-                <a:spcPct val="200000"/>
-              </a:lnSpc>
-            </a:pPr>
-            <a:r>
-              <a:rPr lang="en-US" altLang="ja-JP" sz="4400" b="1" dirty="0">
-                <a:solidFill>
-                  <a:schemeClr val="tx1">
-                    <a:lumMod val="85000"/>
-                    <a:lumOff val="15000"/>
-                  </a:schemeClr>
-                </a:solidFill>
-                <a:latin typeface="Segoe UI" panose="020B0502040204020203" pitchFamily="34" charset="0"/>
-                <a:ea typeface="メイリオ" panose="020B0604030504040204" pitchFamily="50" charset="-128"/>
-                <a:cs typeface="Segoe UI" panose="020B0502040204020203" pitchFamily="34" charset="0"/>
-              </a:rPr>
-              <a:t>Update</a:t>
-            </a:r>
-            <a:endParaRPr kumimoji="1" lang="ja-JP" altLang="en-US" sz="4400" b="1" dirty="0">
-              <a:solidFill>
-                <a:schemeClr val="tx1">
-                  <a:lumMod val="85000"/>
-                  <a:lumOff val="15000"/>
-                </a:schemeClr>
-              </a:solidFill>
-              <a:latin typeface="Segoe UI" panose="020B0502040204020203" pitchFamily="34" charset="0"/>
-              <a:ea typeface="メイリオ" panose="020B0604030504040204" pitchFamily="50" charset="-128"/>
-              <a:cs typeface="Segoe UI" panose="020B0502040204020203" pitchFamily="34" charset="0"/>
-            </a:endParaRPr>
-          </a:p>
-        </p:txBody>
-      </p:sp>
     </p:spTree>
     <p:extLst>
       <p:ext uri="{BB962C8B-B14F-4D97-AF65-F5344CB8AC3E}">
-        <p14:creationId xmlns:p14="http://schemas.microsoft.com/office/powerpoint/2010/main" val="1223530374"/>
+        <p14:creationId xmlns:p14="http://schemas.microsoft.com/office/powerpoint/2010/main" val="1900487633"/>
+      </p:ext>
+    </p:extLst>
+  </p:cSld>
+  <p:clrMapOvr>
+    <a:masterClrMapping/>
+  </p:clrMapOvr>
+</p:sld>
+</file>
+
+<file path=ppt/slides/slide13.xml><?xml version="1.0" encoding="utf-8"?>
+<p:sld xmlns:a="http://schemas.openxmlformats.org/drawingml/2006/main" xmlns:r="http://schemas.openxmlformats.org/officeDocument/2006/relationships" xmlns:p="http://schemas.openxmlformats.org/presentationml/2006/main" show="0">
+  <p:cSld>
+    <p:spTree>
+      <p:nvGrpSpPr>
+        <p:cNvPr id="1" name="">
+          <a:extLst>
+            <a:ext uri="{FF2B5EF4-FFF2-40B4-BE49-F238E27FC236}">
+              <a16:creationId xmlns:a16="http://schemas.microsoft.com/office/drawing/2014/main" id="{09C8210B-2076-F386-08FC-B7241BE7172A}"/>
+            </a:ext>
+          </a:extLst>
+        </p:cNvPr>
+        <p:cNvGrpSpPr/>
+        <p:nvPr/>
+      </p:nvGrpSpPr>
+      <p:grpSpPr>
+        <a:xfrm>
+          <a:off x="0" y="0"/>
+          <a:ext cx="0" cy="0"/>
+          <a:chOff x="0" y="0"/>
+          <a:chExt cx="0" cy="0"/>
+        </a:xfrm>
+      </p:grpSpPr>
+    </p:spTree>
+    <p:extLst>
+      <p:ext uri="{BB962C8B-B14F-4D97-AF65-F5344CB8AC3E}">
+        <p14:creationId xmlns:p14="http://schemas.microsoft.com/office/powerpoint/2010/main" val="3120726844"/>
       </p:ext>
     </p:extLst>
   </p:cSld>
@@ -5616,7 +6121,7 @@
         <p:spPr>
           <a:xfrm>
             <a:off x="1364004" y="607404"/>
-            <a:ext cx="7749686" cy="3944221"/>
+            <a:ext cx="7749686" cy="2590004"/>
           </a:xfrm>
           <a:prstGeom prst="rect">
             <a:avLst/>
@@ -5646,29 +6151,19 @@
                 <a:ea typeface="メイリオ" panose="020B0604030504040204" pitchFamily="50" charset="-128"/>
                 <a:cs typeface="Segoe UI" panose="020B0502040204020203" pitchFamily="34" charset="0"/>
               </a:rPr>
-              <a:t>Depending on </a:t>
-            </a:r>
-          </a:p>
-          <a:p>
-            <a:pPr>
-              <a:lnSpc>
-                <a:spcPct val="200000"/>
-              </a:lnSpc>
-            </a:pPr>
-            <a:r>
-              <a:rPr lang="en-US" altLang="ja-JP" sz="4400" b="1" dirty="0">
-                <a:solidFill>
-                  <a:schemeClr val="tx1">
-                    <a:lumMod val="85000"/>
-                    <a:lumOff val="15000"/>
-                  </a:schemeClr>
-                </a:solidFill>
-                <a:latin typeface="Segoe UI" panose="020B0502040204020203" pitchFamily="34" charset="0"/>
-                <a:ea typeface="メイリオ" panose="020B0604030504040204" pitchFamily="50" charset="-128"/>
-                <a:cs typeface="Segoe UI" panose="020B0502040204020203" pitchFamily="34" charset="0"/>
-              </a:rPr>
-              <a:t>remote-git-repository</a:t>
-            </a:r>
+              <a:t>Depending on GitLab</a:t>
+            </a:r>
+            <a:endParaRPr lang="en-US" altLang="ja-JP" sz="4400" b="1" dirty="0">
+              <a:solidFill>
+                <a:schemeClr val="tx1">
+                  <a:lumMod val="85000"/>
+                  <a:lumOff val="15000"/>
+                </a:schemeClr>
+              </a:solidFill>
+              <a:latin typeface="Segoe UI" panose="020B0502040204020203" pitchFamily="34" charset="0"/>
+              <a:ea typeface="メイリオ" panose="020B0604030504040204" pitchFamily="50" charset="-128"/>
+              <a:cs typeface="Segoe UI" panose="020B0502040204020203" pitchFamily="34" charset="0"/>
+            </a:endParaRPr>
           </a:p>
           <a:p>
             <a:pPr>
@@ -5953,8 +6448,8 @@
         </p:nvSpPr>
         <p:spPr>
           <a:xfrm>
-            <a:off x="3874717" y="3028826"/>
-            <a:ext cx="1261371" cy="830997"/>
+            <a:off x="4132544" y="3028826"/>
+            <a:ext cx="745717" cy="830997"/>
           </a:xfrm>
           <a:prstGeom prst="rect">
             <a:avLst/>
@@ -5999,20 +6494,12 @@
           <a:p>
             <a:pPr algn="ctr"/>
             <a:r>
-              <a:rPr lang="en-US" altLang="ja-JP" sz="1600" b="1" dirty="0" err="1">
-                <a:latin typeface="Segoe UI" panose="020B0502040204020203" pitchFamily="34" charset="0"/>
-                <a:ea typeface="メイリオ" panose="020B0604030504040204" pitchFamily="50" charset="-128"/>
-                <a:cs typeface="Segoe UI" panose="020B0502040204020203" pitchFamily="34" charset="0"/>
-              </a:rPr>
-              <a:t>gantt</a:t>
-            </a:r>
-            <a:r>
               <a:rPr lang="en-US" altLang="ja-JP" sz="1600" b="1" dirty="0">
                 <a:latin typeface="Segoe UI" panose="020B0502040204020203" pitchFamily="34" charset="0"/>
                 <a:ea typeface="メイリオ" panose="020B0604030504040204" pitchFamily="50" charset="-128"/>
                 <a:cs typeface="Segoe UI" panose="020B0502040204020203" pitchFamily="34" charset="0"/>
               </a:rPr>
-              <a:t> chart</a:t>
+              <a:t>issues</a:t>
             </a:r>
             <a:endParaRPr kumimoji="1" lang="ja-JP" altLang="en-US" sz="1600" b="1" dirty="0">
               <a:latin typeface="Segoe UI" panose="020B0502040204020203" pitchFamily="34" charset="0"/>
@@ -6166,8 +6653,8 @@
         </p:nvSpPr>
         <p:spPr>
           <a:xfrm>
-            <a:off x="7007283" y="3028826"/>
-            <a:ext cx="1261371" cy="830997"/>
+            <a:off x="7177745" y="3028826"/>
+            <a:ext cx="920445" cy="830997"/>
           </a:xfrm>
           <a:prstGeom prst="rect">
             <a:avLst/>
@@ -6204,36 +6691,12 @@
           <a:p>
             <a:pPr algn="ctr"/>
             <a:r>
-              <a:rPr kumimoji="1" lang="en-US" altLang="ja-JP" sz="1600" b="1" dirty="0" err="1">
-                <a:latin typeface="Segoe UI" panose="020B0502040204020203" pitchFamily="34" charset="0"/>
-                <a:ea typeface="メイリオ" panose="020B0604030504040204" pitchFamily="50" charset="-128"/>
-                <a:cs typeface="Segoe UI" panose="020B0502040204020203" pitchFamily="34" charset="0"/>
-              </a:rPr>
-              <a:t>gant</a:t>
-            </a:r>
-            <a:r>
-              <a:rPr lang="en-US" altLang="ja-JP" sz="1600" b="1" dirty="0" err="1">
-                <a:latin typeface="Segoe UI" panose="020B0502040204020203" pitchFamily="34" charset="0"/>
-                <a:ea typeface="メイリオ" panose="020B0604030504040204" pitchFamily="50" charset="-128"/>
-                <a:cs typeface="Segoe UI" panose="020B0502040204020203" pitchFamily="34" charset="0"/>
-              </a:rPr>
-              <a:t>t</a:t>
-            </a:r>
-            <a:r>
               <a:rPr lang="en-US" altLang="ja-JP" sz="1600" b="1" dirty="0">
                 <a:latin typeface="Segoe UI" panose="020B0502040204020203" pitchFamily="34" charset="0"/>
                 <a:ea typeface="メイリオ" panose="020B0604030504040204" pitchFamily="50" charset="-128"/>
                 <a:cs typeface="Segoe UI" panose="020B0502040204020203" pitchFamily="34" charset="0"/>
               </a:rPr>
-              <a:t> </a:t>
-            </a:r>
-            <a:r>
-              <a:rPr kumimoji="1" lang="en-US" altLang="ja-JP" sz="1600" b="1" dirty="0">
-                <a:latin typeface="Segoe UI" panose="020B0502040204020203" pitchFamily="34" charset="0"/>
-                <a:ea typeface="メイリオ" panose="020B0604030504040204" pitchFamily="50" charset="-128"/>
-                <a:cs typeface="Segoe UI" panose="020B0502040204020203" pitchFamily="34" charset="0"/>
-              </a:rPr>
-              <a:t>chart</a:t>
+              <a:t>issues</a:t>
             </a:r>
             <a:endParaRPr kumimoji="1" lang="ja-JP" altLang="en-US" sz="1600" b="1" dirty="0">
               <a:latin typeface="Segoe UI" panose="020B0502040204020203" pitchFamily="34" charset="0"/>
